--- a/Document/项目管理课程项目要求.pptx
+++ b/Document/项目管理课程项目要求.pptx
@@ -287,7 +287,7 @@
               <a:pPr>
                 <a:defRPr/>
               </a:pPr>
-              <a:t>2016/9/17</a:t>
+              <a:t>2016/10/14</a:t>
             </a:fld>
             <a:endParaRPr lang="zh-CN" altLang="en-US"/>
           </a:p>
@@ -354,38 +354,37 @@
           <a:p>
             <a:pPr lvl="0"/>
             <a:r>
-              <a:rPr lang="zh-CN" altLang="en-US" noProof="0" smtClean="0"/>
+              <a:rPr lang="zh-CN" altLang="en-US" noProof="0"/>
               <a:t>单击此处编辑母版文本样式</a:t>
             </a:r>
           </a:p>
           <a:p>
             <a:pPr lvl="1"/>
             <a:r>
-              <a:rPr lang="zh-CN" altLang="en-US" noProof="0" smtClean="0"/>
+              <a:rPr lang="zh-CN" altLang="en-US" noProof="0"/>
               <a:t>第二级</a:t>
             </a:r>
           </a:p>
           <a:p>
             <a:pPr lvl="2"/>
             <a:r>
-              <a:rPr lang="zh-CN" altLang="en-US" noProof="0" smtClean="0"/>
+              <a:rPr lang="zh-CN" altLang="en-US" noProof="0"/>
               <a:t>第三级</a:t>
             </a:r>
           </a:p>
           <a:p>
             <a:pPr lvl="3"/>
             <a:r>
-              <a:rPr lang="zh-CN" altLang="en-US" noProof="0" smtClean="0"/>
+              <a:rPr lang="zh-CN" altLang="en-US" noProof="0"/>
               <a:t>第四级</a:t>
             </a:r>
           </a:p>
           <a:p>
             <a:pPr lvl="4"/>
             <a:r>
-              <a:rPr lang="zh-CN" altLang="en-US" noProof="0" smtClean="0"/>
+              <a:rPr lang="zh-CN" altLang="en-US" noProof="0"/>
               <a:t>第五级</a:t>
             </a:r>
-            <a:endParaRPr lang="zh-CN" altLang="en-US" noProof="0"/>
           </a:p>
         </p:txBody>
       </p:sp>
@@ -745,7 +744,7 @@
               <a:defRPr/>
             </a:pPr>
             <a:r>
-              <a:rPr lang="en-US" altLang="zh-CN" sz="750" dirty="0" smtClean="0"/>
+              <a:rPr lang="en-US" altLang="zh-CN" sz="750" dirty="0"/>
               <a:t>Parallel Processing Institute</a:t>
             </a:r>
             <a:endParaRPr lang="zh-CN" altLang="en-US" sz="750" dirty="0"/>
@@ -827,7 +826,7 @@
           <a:lstStyle/>
           <a:p>
             <a:r>
-              <a:rPr lang="zh-CN" altLang="en-US" smtClean="0"/>
+              <a:rPr lang="zh-CN" altLang="en-US"/>
               <a:t>单击此处编辑母版标题样式</a:t>
             </a:r>
             <a:endParaRPr lang="en-US"/>
@@ -946,7 +945,7 @@
           </a:lstStyle>
           <a:p>
             <a:r>
-              <a:rPr lang="zh-CN" altLang="en-US" smtClean="0"/>
+              <a:rPr lang="zh-CN" altLang="en-US"/>
               <a:t>单击以编辑母版副标题样式</a:t>
             </a:r>
             <a:endParaRPr lang="en-US"/>
@@ -980,7 +979,7 @@
               <a:pPr>
                 <a:defRPr/>
               </a:pPr>
-              <a:t>9/17/2016</a:t>
+              <a:t>10/14/2016</a:t>
             </a:fld>
             <a:endParaRPr lang="en-US" altLang="zh-CN" sz="1600">
               <a:ea typeface="宋体" charset="-122"/>
@@ -1097,7 +1096,7 @@
           <a:lstStyle/>
           <a:p>
             <a:r>
-              <a:rPr lang="zh-CN" altLang="en-US" smtClean="0"/>
+              <a:rPr lang="zh-CN" altLang="en-US"/>
               <a:t>单击此处编辑母版标题样式</a:t>
             </a:r>
             <a:endParaRPr lang="en-US"/>
@@ -1121,35 +1120,35 @@
           <a:p>
             <a:pPr lvl="0"/>
             <a:r>
-              <a:rPr lang="zh-CN" altLang="en-US" smtClean="0"/>
+              <a:rPr lang="zh-CN" altLang="en-US"/>
               <a:t>编辑母版文本样式</a:t>
             </a:r>
           </a:p>
           <a:p>
             <a:pPr lvl="1"/>
             <a:r>
-              <a:rPr lang="zh-CN" altLang="en-US" smtClean="0"/>
+              <a:rPr lang="zh-CN" altLang="en-US"/>
               <a:t>第二级</a:t>
             </a:r>
           </a:p>
           <a:p>
             <a:pPr lvl="2"/>
             <a:r>
-              <a:rPr lang="zh-CN" altLang="en-US" smtClean="0"/>
+              <a:rPr lang="zh-CN" altLang="en-US"/>
               <a:t>第三级</a:t>
             </a:r>
           </a:p>
           <a:p>
             <a:pPr lvl="3"/>
             <a:r>
-              <a:rPr lang="zh-CN" altLang="en-US" smtClean="0"/>
+              <a:rPr lang="zh-CN" altLang="en-US"/>
               <a:t>第四级</a:t>
             </a:r>
           </a:p>
           <a:p>
             <a:pPr lvl="4"/>
             <a:r>
-              <a:rPr lang="zh-CN" altLang="en-US" smtClean="0"/>
+              <a:rPr lang="zh-CN" altLang="en-US"/>
               <a:t>第五级</a:t>
             </a:r>
             <a:endParaRPr lang="en-US"/>
@@ -1183,7 +1182,7 @@
               <a:pPr>
                 <a:defRPr/>
               </a:pPr>
-              <a:t>9/17/2016</a:t>
+              <a:t>10/14/2016</a:t>
             </a:fld>
             <a:endParaRPr lang="en-US" altLang="zh-CN">
               <a:ea typeface="宋体" charset="-122"/>
@@ -1305,7 +1304,7 @@
           <a:lstStyle/>
           <a:p>
             <a:r>
-              <a:rPr lang="zh-CN" altLang="en-US" smtClean="0"/>
+              <a:rPr lang="zh-CN" altLang="en-US"/>
               <a:t>单击此处编辑母版标题样式</a:t>
             </a:r>
             <a:endParaRPr lang="en-US"/>
@@ -1334,35 +1333,35 @@
           <a:p>
             <a:pPr lvl="0"/>
             <a:r>
-              <a:rPr lang="zh-CN" altLang="en-US" smtClean="0"/>
+              <a:rPr lang="zh-CN" altLang="en-US"/>
               <a:t>编辑母版文本样式</a:t>
             </a:r>
           </a:p>
           <a:p>
             <a:pPr lvl="1"/>
             <a:r>
-              <a:rPr lang="zh-CN" altLang="en-US" smtClean="0"/>
+              <a:rPr lang="zh-CN" altLang="en-US"/>
               <a:t>第二级</a:t>
             </a:r>
           </a:p>
           <a:p>
             <a:pPr lvl="2"/>
             <a:r>
-              <a:rPr lang="zh-CN" altLang="en-US" smtClean="0"/>
+              <a:rPr lang="zh-CN" altLang="en-US"/>
               <a:t>第三级</a:t>
             </a:r>
           </a:p>
           <a:p>
             <a:pPr lvl="3"/>
             <a:r>
-              <a:rPr lang="zh-CN" altLang="en-US" smtClean="0"/>
+              <a:rPr lang="zh-CN" altLang="en-US"/>
               <a:t>第四级</a:t>
             </a:r>
           </a:p>
           <a:p>
             <a:pPr lvl="4"/>
             <a:r>
-              <a:rPr lang="zh-CN" altLang="en-US" smtClean="0"/>
+              <a:rPr lang="zh-CN" altLang="en-US"/>
               <a:t>第五级</a:t>
             </a:r>
             <a:endParaRPr lang="en-US"/>
@@ -1396,7 +1395,7 @@
               <a:pPr>
                 <a:defRPr/>
               </a:pPr>
-              <a:t>9/17/2016</a:t>
+              <a:t>10/14/2016</a:t>
             </a:fld>
             <a:endParaRPr lang="en-US" altLang="zh-CN" sz="1400">
               <a:solidFill>
@@ -1584,7 +1583,7 @@
           </a:lstStyle>
           <a:p>
             <a:r>
-              <a:rPr lang="zh-CN" altLang="en-US" smtClean="0"/>
+              <a:rPr lang="zh-CN" altLang="en-US"/>
               <a:t>单击此处编辑母版标题样式</a:t>
             </a:r>
             <a:endParaRPr lang="en-US"/>
@@ -1639,35 +1638,35 @@
           <a:p>
             <a:pPr lvl="0"/>
             <a:r>
-              <a:rPr lang="zh-CN" altLang="en-US" smtClean="0"/>
+              <a:rPr lang="zh-CN" altLang="en-US"/>
               <a:t>编辑母版文本样式</a:t>
             </a:r>
           </a:p>
           <a:p>
             <a:pPr lvl="1"/>
             <a:r>
-              <a:rPr lang="zh-CN" altLang="en-US" smtClean="0"/>
+              <a:rPr lang="zh-CN" altLang="en-US"/>
               <a:t>第二级</a:t>
             </a:r>
           </a:p>
           <a:p>
             <a:pPr lvl="2"/>
             <a:r>
-              <a:rPr lang="zh-CN" altLang="en-US" smtClean="0"/>
+              <a:rPr lang="zh-CN" altLang="en-US"/>
               <a:t>第三级</a:t>
             </a:r>
           </a:p>
           <a:p>
             <a:pPr lvl="3"/>
             <a:r>
-              <a:rPr lang="zh-CN" altLang="en-US" smtClean="0"/>
+              <a:rPr lang="zh-CN" altLang="en-US"/>
               <a:t>第四级</a:t>
             </a:r>
           </a:p>
           <a:p>
             <a:pPr lvl="4"/>
             <a:r>
-              <a:rPr lang="zh-CN" altLang="en-US" smtClean="0"/>
+              <a:rPr lang="zh-CN" altLang="en-US"/>
               <a:t>第五级</a:t>
             </a:r>
             <a:endParaRPr lang="en-US"/>
@@ -1701,7 +1700,7 @@
               <a:pPr>
                 <a:defRPr/>
               </a:pPr>
-              <a:t>9/17/2016</a:t>
+              <a:t>10/14/2016</a:t>
             </a:fld>
             <a:endParaRPr lang="en-US" altLang="zh-CN">
               <a:ea typeface="宋体" charset="-122"/>
@@ -1931,7 +1930,7 @@
               <a:defRPr/>
             </a:pPr>
             <a:r>
-              <a:rPr lang="en-US" altLang="zh-CN" sz="750" smtClean="0"/>
+              <a:rPr lang="en-US" altLang="zh-CN" sz="750"/>
               <a:t>Parallel Processing Institute</a:t>
             </a:r>
             <a:endParaRPr lang="zh-CN" altLang="en-US" sz="750" dirty="0"/>
@@ -2019,7 +2018,7 @@
           </a:lstStyle>
           <a:p>
             <a:r>
-              <a:rPr lang="zh-CN" altLang="en-US" smtClean="0"/>
+              <a:rPr lang="zh-CN" altLang="en-US"/>
               <a:t>单击此处编辑母版标题样式</a:t>
             </a:r>
             <a:endParaRPr lang="en-US"/>
@@ -2140,7 +2139,7 @@
           <a:p>
             <a:pPr lvl="0"/>
             <a:r>
-              <a:rPr lang="zh-CN" altLang="en-US" smtClean="0"/>
+              <a:rPr lang="zh-CN" altLang="en-US"/>
               <a:t>编辑母版文本样式</a:t>
             </a:r>
           </a:p>
@@ -2173,7 +2172,7 @@
               <a:pPr>
                 <a:defRPr/>
               </a:pPr>
-              <a:t>9/17/2016</a:t>
+              <a:t>10/14/2016</a:t>
             </a:fld>
             <a:endParaRPr lang="en-US" altLang="zh-CN">
               <a:ea typeface="宋体" charset="-122"/>
@@ -2260,7 +2259,7 @@
           <a:lstStyle/>
           <a:p>
             <a:r>
-              <a:rPr lang="zh-CN" altLang="en-US" smtClean="0"/>
+              <a:rPr lang="zh-CN" altLang="en-US"/>
               <a:t>单击此处编辑母版标题样式</a:t>
             </a:r>
             <a:endParaRPr lang="en-US"/>
@@ -2317,35 +2316,35 @@
           <a:p>
             <a:pPr lvl="0"/>
             <a:r>
-              <a:rPr lang="zh-CN" altLang="en-US" smtClean="0"/>
+              <a:rPr lang="zh-CN" altLang="en-US"/>
               <a:t>编辑母版文本样式</a:t>
             </a:r>
           </a:p>
           <a:p>
             <a:pPr lvl="1"/>
             <a:r>
-              <a:rPr lang="zh-CN" altLang="en-US" smtClean="0"/>
+              <a:rPr lang="zh-CN" altLang="en-US"/>
               <a:t>第二级</a:t>
             </a:r>
           </a:p>
           <a:p>
             <a:pPr lvl="2"/>
             <a:r>
-              <a:rPr lang="zh-CN" altLang="en-US" smtClean="0"/>
+              <a:rPr lang="zh-CN" altLang="en-US"/>
               <a:t>第三级</a:t>
             </a:r>
           </a:p>
           <a:p>
             <a:pPr lvl="3"/>
             <a:r>
-              <a:rPr lang="zh-CN" altLang="en-US" smtClean="0"/>
+              <a:rPr lang="zh-CN" altLang="en-US"/>
               <a:t>第四级</a:t>
             </a:r>
           </a:p>
           <a:p>
             <a:pPr lvl="4"/>
             <a:r>
-              <a:rPr lang="zh-CN" altLang="en-US" smtClean="0"/>
+              <a:rPr lang="zh-CN" altLang="en-US"/>
               <a:t>第五级</a:t>
             </a:r>
             <a:endParaRPr lang="en-US"/>
@@ -2402,35 +2401,35 @@
           <a:p>
             <a:pPr lvl="0"/>
             <a:r>
-              <a:rPr lang="zh-CN" altLang="en-US" smtClean="0"/>
+              <a:rPr lang="zh-CN" altLang="en-US"/>
               <a:t>编辑母版文本样式</a:t>
             </a:r>
           </a:p>
           <a:p>
             <a:pPr lvl="1"/>
             <a:r>
-              <a:rPr lang="zh-CN" altLang="en-US" smtClean="0"/>
+              <a:rPr lang="zh-CN" altLang="en-US"/>
               <a:t>第二级</a:t>
             </a:r>
           </a:p>
           <a:p>
             <a:pPr lvl="2"/>
             <a:r>
-              <a:rPr lang="zh-CN" altLang="en-US" smtClean="0"/>
+              <a:rPr lang="zh-CN" altLang="en-US"/>
               <a:t>第三级</a:t>
             </a:r>
           </a:p>
           <a:p>
             <a:pPr lvl="3"/>
             <a:r>
-              <a:rPr lang="zh-CN" altLang="en-US" smtClean="0"/>
+              <a:rPr lang="zh-CN" altLang="en-US"/>
               <a:t>第四级</a:t>
             </a:r>
           </a:p>
           <a:p>
             <a:pPr lvl="4"/>
             <a:r>
-              <a:rPr lang="zh-CN" altLang="en-US" smtClean="0"/>
+              <a:rPr lang="zh-CN" altLang="en-US"/>
               <a:t>第五级</a:t>
             </a:r>
             <a:endParaRPr lang="en-US"/>
@@ -2464,7 +2463,7 @@
               <a:pPr>
                 <a:defRPr/>
               </a:pPr>
-              <a:t>9/17/2016</a:t>
+              <a:t>10/14/2016</a:t>
             </a:fld>
             <a:endParaRPr lang="en-US" altLang="zh-CN">
               <a:ea typeface="宋体" charset="-122"/>
@@ -2585,7 +2584,7 @@
           </a:lstStyle>
           <a:p>
             <a:r>
-              <a:rPr lang="zh-CN" altLang="en-US" smtClean="0"/>
+              <a:rPr lang="zh-CN" altLang="en-US"/>
               <a:t>单击此处编辑母版标题样式</a:t>
             </a:r>
             <a:endParaRPr lang="en-US"/>
@@ -2651,7 +2650,7 @@
           <a:p>
             <a:pPr lvl="0"/>
             <a:r>
-              <a:rPr lang="zh-CN" altLang="en-US" smtClean="0"/>
+              <a:rPr lang="zh-CN" altLang="en-US"/>
               <a:t>编辑母版文本样式</a:t>
             </a:r>
           </a:p>
@@ -2707,35 +2706,35 @@
           <a:p>
             <a:pPr lvl="0"/>
             <a:r>
-              <a:rPr lang="zh-CN" altLang="en-US" smtClean="0"/>
+              <a:rPr lang="zh-CN" altLang="en-US"/>
               <a:t>编辑母版文本样式</a:t>
             </a:r>
           </a:p>
           <a:p>
             <a:pPr lvl="1"/>
             <a:r>
-              <a:rPr lang="zh-CN" altLang="en-US" smtClean="0"/>
+              <a:rPr lang="zh-CN" altLang="en-US"/>
               <a:t>第二级</a:t>
             </a:r>
           </a:p>
           <a:p>
             <a:pPr lvl="2"/>
             <a:r>
-              <a:rPr lang="zh-CN" altLang="en-US" smtClean="0"/>
+              <a:rPr lang="zh-CN" altLang="en-US"/>
               <a:t>第三级</a:t>
             </a:r>
           </a:p>
           <a:p>
             <a:pPr lvl="3"/>
             <a:r>
-              <a:rPr lang="zh-CN" altLang="en-US" smtClean="0"/>
+              <a:rPr lang="zh-CN" altLang="en-US"/>
               <a:t>第四级</a:t>
             </a:r>
           </a:p>
           <a:p>
             <a:pPr lvl="4"/>
             <a:r>
-              <a:rPr lang="zh-CN" altLang="en-US" smtClean="0"/>
+              <a:rPr lang="zh-CN" altLang="en-US"/>
               <a:t>第五级</a:t>
             </a:r>
             <a:endParaRPr lang="en-US"/>
@@ -2801,7 +2800,7 @@
           <a:p>
             <a:pPr lvl="0"/>
             <a:r>
-              <a:rPr lang="zh-CN" altLang="en-US" smtClean="0"/>
+              <a:rPr lang="zh-CN" altLang="en-US"/>
               <a:t>编辑母版文本样式</a:t>
             </a:r>
           </a:p>
@@ -2857,35 +2856,35 @@
           <a:p>
             <a:pPr lvl="0"/>
             <a:r>
-              <a:rPr lang="zh-CN" altLang="en-US" smtClean="0"/>
+              <a:rPr lang="zh-CN" altLang="en-US"/>
               <a:t>编辑母版文本样式</a:t>
             </a:r>
           </a:p>
           <a:p>
             <a:pPr lvl="1"/>
             <a:r>
-              <a:rPr lang="zh-CN" altLang="en-US" smtClean="0"/>
+              <a:rPr lang="zh-CN" altLang="en-US"/>
               <a:t>第二级</a:t>
             </a:r>
           </a:p>
           <a:p>
             <a:pPr lvl="2"/>
             <a:r>
-              <a:rPr lang="zh-CN" altLang="en-US" smtClean="0"/>
+              <a:rPr lang="zh-CN" altLang="en-US"/>
               <a:t>第三级</a:t>
             </a:r>
           </a:p>
           <a:p>
             <a:pPr lvl="3"/>
             <a:r>
-              <a:rPr lang="zh-CN" altLang="en-US" smtClean="0"/>
+              <a:rPr lang="zh-CN" altLang="en-US"/>
               <a:t>第四级</a:t>
             </a:r>
           </a:p>
           <a:p>
             <a:pPr lvl="4"/>
             <a:r>
-              <a:rPr lang="zh-CN" altLang="en-US" smtClean="0"/>
+              <a:rPr lang="zh-CN" altLang="en-US"/>
               <a:t>第五级</a:t>
             </a:r>
             <a:endParaRPr lang="en-US"/>
@@ -2919,7 +2918,7 @@
               <a:pPr>
                 <a:defRPr/>
               </a:pPr>
-              <a:t>9/17/2016</a:t>
+              <a:t>10/14/2016</a:t>
             </a:fld>
             <a:endParaRPr lang="en-US" altLang="zh-CN">
               <a:ea typeface="宋体" charset="-122"/>
@@ -3036,7 +3035,7 @@
           <a:lstStyle/>
           <a:p>
             <a:r>
-              <a:rPr lang="zh-CN" altLang="en-US" smtClean="0"/>
+              <a:rPr lang="zh-CN" altLang="en-US"/>
               <a:t>单击此处编辑母版标题样式</a:t>
             </a:r>
             <a:endParaRPr lang="en-US"/>
@@ -3070,7 +3069,7 @@
               <a:pPr>
                 <a:defRPr/>
               </a:pPr>
-              <a:t>9/17/2016</a:t>
+              <a:t>10/14/2016</a:t>
             </a:fld>
             <a:endParaRPr lang="en-US" altLang="zh-CN">
               <a:ea typeface="宋体" charset="-122"/>
@@ -3198,7 +3197,7 @@
               <a:pPr>
                 <a:defRPr/>
               </a:pPr>
-              <a:t>9/17/2016</a:t>
+              <a:t>10/14/2016</a:t>
             </a:fld>
             <a:endParaRPr lang="en-US" altLang="zh-CN">
               <a:ea typeface="宋体" charset="-122"/>
@@ -3324,7 +3323,7 @@
           </a:lstStyle>
           <a:p>
             <a:r>
-              <a:rPr lang="zh-CN" altLang="en-US" smtClean="0"/>
+              <a:rPr lang="zh-CN" altLang="en-US"/>
               <a:t>单击此处编辑母版标题样式</a:t>
             </a:r>
             <a:endParaRPr lang="en-US"/>
@@ -3381,35 +3380,35 @@
           <a:p>
             <a:pPr lvl="0"/>
             <a:r>
-              <a:rPr lang="zh-CN" altLang="en-US" smtClean="0"/>
+              <a:rPr lang="zh-CN" altLang="en-US"/>
               <a:t>编辑母版文本样式</a:t>
             </a:r>
           </a:p>
           <a:p>
             <a:pPr lvl="1"/>
             <a:r>
-              <a:rPr lang="zh-CN" altLang="en-US" smtClean="0"/>
+              <a:rPr lang="zh-CN" altLang="en-US"/>
               <a:t>第二级</a:t>
             </a:r>
           </a:p>
           <a:p>
             <a:pPr lvl="2"/>
             <a:r>
-              <a:rPr lang="zh-CN" altLang="en-US" smtClean="0"/>
+              <a:rPr lang="zh-CN" altLang="en-US"/>
               <a:t>第三级</a:t>
             </a:r>
           </a:p>
           <a:p>
             <a:pPr lvl="3"/>
             <a:r>
-              <a:rPr lang="zh-CN" altLang="en-US" smtClean="0"/>
+              <a:rPr lang="zh-CN" altLang="en-US"/>
               <a:t>第四级</a:t>
             </a:r>
           </a:p>
           <a:p>
             <a:pPr lvl="4"/>
             <a:r>
-              <a:rPr lang="zh-CN" altLang="en-US" smtClean="0"/>
+              <a:rPr lang="zh-CN" altLang="en-US"/>
               <a:t>第五级</a:t>
             </a:r>
             <a:endParaRPr lang="en-US"/>
@@ -3475,7 +3474,7 @@
           <a:p>
             <a:pPr lvl="0"/>
             <a:r>
-              <a:rPr lang="zh-CN" altLang="en-US" smtClean="0"/>
+              <a:rPr lang="zh-CN" altLang="en-US"/>
               <a:t>编辑母版文本样式</a:t>
             </a:r>
           </a:p>
@@ -3508,7 +3507,7 @@
               <a:pPr>
                 <a:defRPr/>
               </a:pPr>
-              <a:t>9/17/2016</a:t>
+              <a:t>10/14/2016</a:t>
             </a:fld>
             <a:endParaRPr lang="en-US" altLang="zh-CN">
               <a:ea typeface="宋体" charset="-122"/>
@@ -3634,7 +3633,7 @@
           </a:lstStyle>
           <a:p>
             <a:r>
-              <a:rPr lang="zh-CN" altLang="en-US" smtClean="0"/>
+              <a:rPr lang="zh-CN" altLang="en-US"/>
               <a:t>单击此处编辑母版标题样式</a:t>
             </a:r>
             <a:endParaRPr lang="en-US"/>
@@ -3702,7 +3701,7 @@
           <a:p>
             <a:pPr lvl="0"/>
             <a:r>
-              <a:rPr lang="zh-CN" altLang="en-US" noProof="0" smtClean="0"/>
+              <a:rPr lang="zh-CN" altLang="en-US" noProof="0"/>
               <a:t>单击图标添加图片</a:t>
             </a:r>
             <a:endParaRPr lang="en-US" noProof="0"/>
@@ -3768,7 +3767,7 @@
           <a:p>
             <a:pPr lvl="0"/>
             <a:r>
-              <a:rPr lang="zh-CN" altLang="en-US" smtClean="0"/>
+              <a:rPr lang="zh-CN" altLang="en-US"/>
               <a:t>编辑母版文本样式</a:t>
             </a:r>
           </a:p>
@@ -3801,7 +3800,7 @@
               <a:pPr>
                 <a:defRPr/>
               </a:pPr>
-              <a:t>9/17/2016</a:t>
+              <a:t>10/14/2016</a:t>
             </a:fld>
             <a:endParaRPr lang="en-US" altLang="zh-CN">
               <a:ea typeface="宋体" charset="-122"/>
@@ -3962,7 +3961,7 @@
           <a:p>
             <a:pPr lvl="0"/>
             <a:r>
-              <a:rPr lang="zh-CN" altLang="en-US" smtClean="0"/>
+              <a:rPr lang="zh-CN" altLang="en-US"/>
               <a:t>单击此处编辑母版标题样式</a:t>
             </a:r>
           </a:p>
@@ -4020,35 +4019,35 @@
           <a:p>
             <a:pPr lvl="0"/>
             <a:r>
-              <a:rPr lang="zh-CN" altLang="en-US" smtClean="0"/>
+              <a:rPr lang="zh-CN" altLang="en-US"/>
               <a:t>单击此处编辑母版文本样式</a:t>
             </a:r>
           </a:p>
           <a:p>
             <a:pPr lvl="1"/>
             <a:r>
-              <a:rPr lang="zh-CN" altLang="en-US" smtClean="0"/>
+              <a:rPr lang="zh-CN" altLang="en-US"/>
               <a:t>第二级</a:t>
             </a:r>
           </a:p>
           <a:p>
             <a:pPr lvl="2"/>
             <a:r>
-              <a:rPr lang="zh-CN" altLang="en-US" smtClean="0"/>
+              <a:rPr lang="zh-CN" altLang="en-US"/>
               <a:t>第三级</a:t>
             </a:r>
           </a:p>
           <a:p>
             <a:pPr lvl="3"/>
             <a:r>
-              <a:rPr lang="zh-CN" altLang="en-US" smtClean="0"/>
+              <a:rPr lang="zh-CN" altLang="en-US"/>
               <a:t>第四级</a:t>
             </a:r>
           </a:p>
           <a:p>
             <a:pPr lvl="4"/>
             <a:r>
-              <a:rPr lang="zh-CN" altLang="en-US" smtClean="0"/>
+              <a:rPr lang="zh-CN" altLang="en-US"/>
               <a:t>第五级</a:t>
             </a:r>
           </a:p>
@@ -4095,7 +4094,7 @@
               <a:pPr>
                 <a:defRPr/>
               </a:pPr>
-              <a:t>9/17/2016</a:t>
+              <a:t>10/14/2016</a:t>
             </a:fld>
             <a:endParaRPr lang="en-US" altLang="zh-CN" sz="1400">
               <a:solidFill>
@@ -4646,7 +4645,7 @@
           <a:p>
             <a:pPr eaLnBrk="1" hangingPunct="1"/>
             <a:r>
-              <a:rPr lang="zh-CN" altLang="en-US" sz="5300" smtClean="0">
+              <a:rPr lang="zh-CN" altLang="en-US" sz="5300">
                 <a:latin typeface="等线" panose="02010600030101010101" pitchFamily="2" charset="-122"/>
                 <a:ea typeface="等线" panose="02010600030101010101" pitchFamily="2" charset="-122"/>
                 <a:cs typeface="Tahoma" panose="020B0604030504040204" pitchFamily="34" charset="0"/>
@@ -4688,25 +4687,18 @@
               <a:defRPr/>
             </a:pPr>
             <a:r>
-              <a:rPr lang="zh-CN" altLang="en-US" sz="3200" dirty="0" smtClean="0">
+              <a:rPr lang="zh-CN" altLang="en-US" sz="3200" dirty="0">
                 <a:latin typeface="等线" panose="02010600030101010101" pitchFamily="2" charset="-122"/>
                 <a:ea typeface="等线" panose="02010600030101010101" pitchFamily="2" charset="-122"/>
               </a:rPr>
               <a:t>王欣</a:t>
-            </a:r>
-            <a:r>
-              <a:rPr lang="en-US" altLang="zh-CN" sz="3200" dirty="0" smtClean="0">
-                <a:latin typeface="等线" panose="02010600030101010101" pitchFamily="2" charset="-122"/>
-                <a:ea typeface="等线" panose="02010600030101010101" pitchFamily="2" charset="-122"/>
-              </a:rPr>
-              <a:t>@</a:t>
             </a:r>
             <a:r>
               <a:rPr lang="en-US" altLang="zh-CN" sz="3200" dirty="0">
                 <a:latin typeface="等线" panose="02010600030101010101" pitchFamily="2" charset="-122"/>
                 <a:ea typeface="等线" panose="02010600030101010101" pitchFamily="2" charset="-122"/>
               </a:rPr>
-              <a:t>PPI</a:t>
+              <a:t>@PPI</a:t>
             </a:r>
           </a:p>
           <a:p>
@@ -4717,16 +4709,12 @@
               <a:defRPr/>
             </a:pPr>
             <a:r>
-              <a:rPr lang="en-US" altLang="zh-CN" sz="3200" dirty="0" smtClean="0">
+              <a:rPr lang="en-US" altLang="zh-CN" sz="3200" dirty="0">
                 <a:latin typeface="等线" panose="02010600030101010101" pitchFamily="2" charset="-122"/>
                 <a:ea typeface="等线" panose="02010600030101010101" pitchFamily="2" charset="-122"/>
               </a:rPr>
               <a:t>14212010018@fudan.edu.cn</a:t>
             </a:r>
-            <a:endParaRPr lang="en-US" altLang="zh-CN" sz="3200" dirty="0">
-              <a:latin typeface="等线" panose="02010600030101010101" pitchFamily="2" charset="-122"/>
-              <a:ea typeface="等线" panose="02010600030101010101" pitchFamily="2" charset="-122"/>
-            </a:endParaRPr>
           </a:p>
         </p:txBody>
       </p:sp>
@@ -4913,7 +4901,7 @@
               <a:pPr/>
               <a:t>1</a:t>
             </a:fld>
-            <a:endParaRPr lang="en-US" altLang="zh-CN" smtClean="0">
+            <a:endParaRPr lang="en-US" altLang="zh-CN">
               <a:solidFill>
                 <a:srgbClr val="898989"/>
               </a:solidFill>
@@ -4928,13 +4916,6 @@
   <p:clrMapOvr>
     <a:masterClrMapping/>
   </p:clrMapOvr>
-  <p:timing>
-    <p:tnLst>
-      <p:par>
-        <p:cTn id="1" dur="indefinite" restart="never" nodeType="tmRoot"/>
-      </p:par>
-    </p:tnLst>
-  </p:timing>
 </p:sld>
 </file>
 
@@ -4972,7 +4953,7 @@
           <a:p>
             <a:pPr eaLnBrk="1" hangingPunct="1"/>
             <a:r>
-              <a:rPr lang="zh-CN" altLang="en-US" smtClean="0"/>
+              <a:rPr lang="zh-CN" altLang="en-US"/>
               <a:t>项目文档</a:t>
             </a:r>
           </a:p>
@@ -4995,36 +4976,36 @@
           <a:p>
             <a:pPr eaLnBrk="1" hangingPunct="1"/>
             <a:r>
-              <a:rPr lang="zh-CN" altLang="en-US" sz="3600" smtClean="0">
+              <a:rPr lang="zh-CN" altLang="en-US" sz="3600">
                 <a:cs typeface="Arial" panose="020B0604020202020204" pitchFamily="34" charset="0"/>
               </a:rPr>
               <a:t>技术方案计划</a:t>
             </a:r>
-            <a:endParaRPr lang="en-US" altLang="zh-CN" sz="3600" smtClean="0">
+            <a:endParaRPr lang="en-US" altLang="zh-CN" sz="3600">
               <a:cs typeface="Arial" panose="020B0604020202020204" pitchFamily="34" charset="0"/>
             </a:endParaRPr>
           </a:p>
           <a:p>
             <a:pPr lvl="1" eaLnBrk="1" hangingPunct="1"/>
             <a:r>
-              <a:rPr lang="zh-CN" altLang="en-US" sz="2800" smtClean="0">
+              <a:rPr lang="zh-CN" altLang="en-US" sz="2800">
                 <a:cs typeface="Arial" panose="020B0604020202020204" pitchFamily="34" charset="0"/>
               </a:rPr>
               <a:t>如何实现</a:t>
             </a:r>
-            <a:endParaRPr lang="en-US" altLang="zh-CN" sz="2800" smtClean="0">
+            <a:endParaRPr lang="en-US" altLang="zh-CN" sz="2800">
               <a:cs typeface="Arial" panose="020B0604020202020204" pitchFamily="34" charset="0"/>
             </a:endParaRPr>
           </a:p>
           <a:p>
             <a:pPr lvl="1" eaLnBrk="1" hangingPunct="1"/>
             <a:r>
-              <a:rPr lang="zh-CN" altLang="en-US" sz="2800" smtClean="0">
+              <a:rPr lang="zh-CN" altLang="en-US" sz="2800">
                 <a:cs typeface="Arial" panose="020B0604020202020204" pitchFamily="34" charset="0"/>
               </a:rPr>
               <a:t>需要的软硬件与技术支持</a:t>
             </a:r>
-            <a:endParaRPr lang="en-US" altLang="zh-CN" sz="2800" smtClean="0">
+            <a:endParaRPr lang="en-US" altLang="zh-CN" sz="2800">
               <a:cs typeface="Arial" panose="020B0604020202020204" pitchFamily="34" charset="0"/>
             </a:endParaRPr>
           </a:p>
@@ -5213,7 +5194,7 @@
               <a:pPr/>
               <a:t>10</a:t>
             </a:fld>
-            <a:endParaRPr lang="en-US" altLang="zh-CN" smtClean="0">
+            <a:endParaRPr lang="en-US" altLang="zh-CN">
               <a:solidFill>
                 <a:srgbClr val="898989"/>
               </a:solidFill>
@@ -5228,13 +5209,6 @@
   <p:clrMapOvr>
     <a:masterClrMapping/>
   </p:clrMapOvr>
-  <p:timing>
-    <p:tnLst>
-      <p:par>
-        <p:cTn id="1" dur="indefinite" restart="never" nodeType="tmRoot"/>
-      </p:par>
-    </p:tnLst>
-  </p:timing>
 </p:sld>
 </file>
 
@@ -5272,7 +5246,7 @@
           <a:p>
             <a:pPr eaLnBrk="1" hangingPunct="1"/>
             <a:r>
-              <a:rPr lang="zh-CN" altLang="en-US" smtClean="0"/>
+              <a:rPr lang="zh-CN" altLang="en-US"/>
               <a:t>项目文档</a:t>
             </a:r>
           </a:p>
@@ -5500,7 +5474,7 @@
               <a:pPr/>
               <a:t>11</a:t>
             </a:fld>
-            <a:endParaRPr lang="en-US" altLang="zh-CN" smtClean="0">
+            <a:endParaRPr lang="en-US" altLang="zh-CN">
               <a:solidFill>
                 <a:srgbClr val="898989"/>
               </a:solidFill>
@@ -5587,7 +5561,7 @@
         </p:blipFill>
         <p:spPr bwMode="auto">
           <a:xfrm>
-            <a:off x="3776663" y="1628775"/>
+            <a:off x="1638499" y="2492896"/>
             <a:ext cx="4505325" cy="3495675"/>
           </a:xfrm>
           <a:prstGeom prst="rect">
@@ -5831,7 +5805,7 @@
           <a:p>
             <a:pPr eaLnBrk="1" hangingPunct="1"/>
             <a:r>
-              <a:rPr lang="zh-CN" altLang="en-US" smtClean="0"/>
+              <a:rPr lang="zh-CN" altLang="en-US"/>
               <a:t>项目文档</a:t>
             </a:r>
           </a:p>
@@ -5854,7 +5828,7 @@
           <a:p>
             <a:pPr eaLnBrk="1" hangingPunct="1"/>
             <a:r>
-              <a:rPr lang="zh-CN" altLang="en-US" sz="3600" smtClean="0">
+              <a:rPr lang="zh-CN" altLang="en-US" sz="3600">
                 <a:cs typeface="Arial" panose="020B0604020202020204" pitchFamily="34" charset="0"/>
               </a:rPr>
               <a:t>进度计划</a:t>
@@ -6045,7 +6019,7 @@
               <a:pPr/>
               <a:t>12</a:t>
             </a:fld>
-            <a:endParaRPr lang="en-US" altLang="zh-CN" smtClean="0">
+            <a:endParaRPr lang="en-US" altLang="zh-CN">
               <a:solidFill>
                 <a:srgbClr val="898989"/>
               </a:solidFill>
@@ -6408,7 +6382,7 @@
           <a:p>
             <a:pPr eaLnBrk="1" hangingPunct="1"/>
             <a:r>
-              <a:rPr lang="zh-CN" altLang="en-US" smtClean="0"/>
+              <a:rPr lang="zh-CN" altLang="en-US"/>
               <a:t>项目文档</a:t>
             </a:r>
           </a:p>
@@ -6431,48 +6405,48 @@
           <a:p>
             <a:pPr eaLnBrk="1" hangingPunct="1"/>
             <a:r>
-              <a:rPr lang="zh-CN" altLang="en-US" sz="3600" smtClean="0">
+              <a:rPr lang="zh-CN" altLang="en-US" sz="3600">
                 <a:cs typeface="Arial" panose="020B0604020202020204" pitchFamily="34" charset="0"/>
               </a:rPr>
               <a:t>风险管理计划</a:t>
             </a:r>
-            <a:endParaRPr lang="en-US" altLang="zh-CN" sz="3600" smtClean="0">
+            <a:endParaRPr lang="en-US" altLang="zh-CN" sz="3600">
               <a:cs typeface="Arial" panose="020B0604020202020204" pitchFamily="34" charset="0"/>
             </a:endParaRPr>
           </a:p>
           <a:p>
             <a:pPr lvl="1" eaLnBrk="1" hangingPunct="1"/>
             <a:r>
-              <a:rPr lang="zh-CN" altLang="en-US" sz="2800" smtClean="0">
+              <a:rPr lang="zh-CN" altLang="en-US" sz="2800">
                 <a:cs typeface="Arial" panose="020B0604020202020204" pitchFamily="34" charset="0"/>
               </a:rPr>
               <a:t>可能出现的问题</a:t>
             </a:r>
-            <a:endParaRPr lang="en-US" altLang="zh-CN" sz="2800" smtClean="0">
+            <a:endParaRPr lang="en-US" altLang="zh-CN" sz="2800">
               <a:cs typeface="Arial" panose="020B0604020202020204" pitchFamily="34" charset="0"/>
             </a:endParaRPr>
           </a:p>
           <a:p>
             <a:pPr lvl="1" eaLnBrk="1" hangingPunct="1"/>
             <a:r>
-              <a:rPr lang="zh-CN" altLang="en-US" sz="2800" smtClean="0">
+              <a:rPr lang="zh-CN" altLang="en-US" sz="2800">
                 <a:cs typeface="Arial" panose="020B0604020202020204" pitchFamily="34" charset="0"/>
               </a:rPr>
               <a:t>解决方案</a:t>
             </a:r>
-            <a:endParaRPr lang="en-US" altLang="zh-CN" sz="2800" smtClean="0">
+            <a:endParaRPr lang="en-US" altLang="zh-CN" sz="2800">
               <a:cs typeface="Arial" panose="020B0604020202020204" pitchFamily="34" charset="0"/>
             </a:endParaRPr>
           </a:p>
           <a:p>
             <a:pPr lvl="1" eaLnBrk="1" hangingPunct="1"/>
             <a:r>
-              <a:rPr lang="en-US" altLang="zh-CN" sz="2800" smtClean="0">
+              <a:rPr lang="en-US" altLang="zh-CN" sz="2800">
                 <a:cs typeface="Arial" panose="020B0604020202020204" pitchFamily="34" charset="0"/>
               </a:rPr>
               <a:t>…</a:t>
             </a:r>
-            <a:endParaRPr lang="zh-CN" altLang="en-US" sz="2800" smtClean="0">
+            <a:endParaRPr lang="zh-CN" altLang="en-US" sz="2800">
               <a:cs typeface="Arial" panose="020B0604020202020204" pitchFamily="34" charset="0"/>
             </a:endParaRPr>
           </a:p>
@@ -6661,7 +6635,7 @@
               <a:pPr/>
               <a:t>13</a:t>
             </a:fld>
-            <a:endParaRPr lang="en-US" altLang="zh-CN" smtClean="0">
+            <a:endParaRPr lang="en-US" altLang="zh-CN">
               <a:solidFill>
                 <a:srgbClr val="898989"/>
               </a:solidFill>
@@ -6676,13 +6650,6 @@
   <p:clrMapOvr>
     <a:masterClrMapping/>
   </p:clrMapOvr>
-  <p:timing>
-    <p:tnLst>
-      <p:par>
-        <p:cTn id="1" dur="indefinite" restart="never" nodeType="tmRoot"/>
-      </p:par>
-    </p:tnLst>
-  </p:timing>
 </p:sld>
 </file>
 
@@ -6720,7 +6687,7 @@
           <a:p>
             <a:pPr eaLnBrk="1" hangingPunct="1"/>
             <a:r>
-              <a:rPr lang="zh-CN" altLang="en-US" smtClean="0"/>
+              <a:rPr lang="zh-CN" altLang="en-US"/>
               <a:t>项目文档</a:t>
             </a:r>
           </a:p>
@@ -6997,7 +6964,7 @@
               <a:pPr/>
               <a:t>14</a:t>
             </a:fld>
-            <a:endParaRPr lang="en-US" altLang="zh-CN" smtClean="0">
+            <a:endParaRPr lang="en-US" altLang="zh-CN">
               <a:solidFill>
                 <a:srgbClr val="898989"/>
               </a:solidFill>
@@ -7030,7 +6997,7 @@
         </p:blipFill>
         <p:spPr bwMode="auto">
           <a:xfrm>
-            <a:off x="1416050" y="1558925"/>
+            <a:off x="1835150" y="1531293"/>
             <a:ext cx="8521700" cy="4608513"/>
           </a:xfrm>
           <a:prstGeom prst="rect">
@@ -7239,7 +7206,7 @@
           <a:p>
             <a:pPr eaLnBrk="1" hangingPunct="1"/>
             <a:r>
-              <a:rPr lang="zh-CN" altLang="en-US" smtClean="0"/>
+              <a:rPr lang="zh-CN" altLang="en-US"/>
               <a:t>项目文档</a:t>
             </a:r>
           </a:p>
@@ -7262,60 +7229,60 @@
           <a:p>
             <a:pPr eaLnBrk="1" hangingPunct="1"/>
             <a:r>
-              <a:rPr lang="zh-CN" altLang="en-US" sz="3600" smtClean="0">
+              <a:rPr lang="zh-CN" altLang="en-US" sz="3600">
                 <a:cs typeface="Arial" panose="020B0604020202020204" pitchFamily="34" charset="0"/>
               </a:rPr>
               <a:t>开发文档</a:t>
             </a:r>
-            <a:endParaRPr lang="en-US" altLang="zh-CN" sz="3600" smtClean="0">
+            <a:endParaRPr lang="en-US" altLang="zh-CN" sz="3600">
               <a:cs typeface="Arial" panose="020B0604020202020204" pitchFamily="34" charset="0"/>
             </a:endParaRPr>
           </a:p>
           <a:p>
             <a:pPr lvl="1" eaLnBrk="1" hangingPunct="1"/>
             <a:r>
-              <a:rPr lang="zh-CN" altLang="en-US" sz="2800" smtClean="0">
+              <a:rPr lang="zh-CN" altLang="en-US" sz="2800">
                 <a:cs typeface="Arial" panose="020B0604020202020204" pitchFamily="34" charset="0"/>
               </a:rPr>
               <a:t>需求</a:t>
             </a:r>
-            <a:endParaRPr lang="en-US" altLang="zh-CN" sz="2800" smtClean="0">
+            <a:endParaRPr lang="en-US" altLang="zh-CN" sz="2800">
               <a:cs typeface="Arial" panose="020B0604020202020204" pitchFamily="34" charset="0"/>
             </a:endParaRPr>
           </a:p>
           <a:p>
             <a:pPr lvl="1" eaLnBrk="1" hangingPunct="1"/>
             <a:r>
-              <a:rPr lang="zh-CN" altLang="en-US" sz="2800" smtClean="0">
+              <a:rPr lang="zh-CN" altLang="en-US" sz="2800">
                 <a:cs typeface="Arial" panose="020B0604020202020204" pitchFamily="34" charset="0"/>
               </a:rPr>
               <a:t>设计</a:t>
             </a:r>
-            <a:endParaRPr lang="en-US" altLang="zh-CN" sz="2800" smtClean="0">
+            <a:endParaRPr lang="en-US" altLang="zh-CN" sz="2800">
               <a:cs typeface="Arial" panose="020B0604020202020204" pitchFamily="34" charset="0"/>
             </a:endParaRPr>
           </a:p>
           <a:p>
             <a:pPr lvl="1" eaLnBrk="1" hangingPunct="1"/>
             <a:r>
-              <a:rPr lang="zh-CN" altLang="en-US" sz="2800" smtClean="0">
+              <a:rPr lang="zh-CN" altLang="en-US" sz="2800">
                 <a:cs typeface="Arial" panose="020B0604020202020204" pitchFamily="34" charset="0"/>
               </a:rPr>
               <a:t>实现</a:t>
             </a:r>
-            <a:endParaRPr lang="en-US" altLang="zh-CN" sz="2800" smtClean="0">
+            <a:endParaRPr lang="en-US" altLang="zh-CN" sz="2800">
               <a:cs typeface="Arial" panose="020B0604020202020204" pitchFamily="34" charset="0"/>
             </a:endParaRPr>
           </a:p>
           <a:p>
             <a:pPr lvl="1" eaLnBrk="1" hangingPunct="1"/>
             <a:r>
-              <a:rPr lang="en-US" altLang="zh-CN" sz="2800" smtClean="0">
+              <a:rPr lang="en-US" altLang="zh-CN" sz="2800">
                 <a:cs typeface="Arial" panose="020B0604020202020204" pitchFamily="34" charset="0"/>
               </a:rPr>
               <a:t>…</a:t>
             </a:r>
-            <a:endParaRPr lang="zh-CN" altLang="en-US" sz="2800" smtClean="0">
+            <a:endParaRPr lang="zh-CN" altLang="en-US" sz="2800">
               <a:cs typeface="Arial" panose="020B0604020202020204" pitchFamily="34" charset="0"/>
             </a:endParaRPr>
           </a:p>
@@ -7504,7 +7471,7 @@
               <a:pPr/>
               <a:t>15</a:t>
             </a:fld>
-            <a:endParaRPr lang="en-US" altLang="zh-CN" smtClean="0">
+            <a:endParaRPr lang="en-US" altLang="zh-CN">
               <a:solidFill>
                 <a:srgbClr val="898989"/>
               </a:solidFill>
@@ -7519,13 +7486,6 @@
   <p:clrMapOvr>
     <a:masterClrMapping/>
   </p:clrMapOvr>
-  <p:timing>
-    <p:tnLst>
-      <p:par>
-        <p:cTn id="1" dur="indefinite" restart="never" nodeType="tmRoot"/>
-      </p:par>
-    </p:tnLst>
-  </p:timing>
 </p:sld>
 </file>
 
@@ -7563,7 +7523,7 @@
           <a:p>
             <a:pPr eaLnBrk="1" hangingPunct="1"/>
             <a:r>
-              <a:rPr lang="zh-CN" altLang="en-US" smtClean="0"/>
+              <a:rPr lang="zh-CN" altLang="en-US"/>
               <a:t>项目文档</a:t>
             </a:r>
           </a:p>
@@ -7586,84 +7546,84 @@
           <a:p>
             <a:pPr eaLnBrk="1" hangingPunct="1"/>
             <a:r>
-              <a:rPr lang="zh-CN" altLang="en-US" sz="3600" smtClean="0">
+              <a:rPr lang="zh-CN" altLang="en-US" sz="3600">
                 <a:cs typeface="Arial" panose="020B0604020202020204" pitchFamily="34" charset="0"/>
               </a:rPr>
               <a:t>项目总结</a:t>
             </a:r>
-            <a:endParaRPr lang="en-US" altLang="zh-CN" sz="3600" smtClean="0">
+            <a:endParaRPr lang="en-US" altLang="zh-CN" sz="3600">
               <a:cs typeface="Arial" panose="020B0604020202020204" pitchFamily="34" charset="0"/>
             </a:endParaRPr>
           </a:p>
           <a:p>
             <a:pPr lvl="1" eaLnBrk="1" hangingPunct="1"/>
             <a:r>
-              <a:rPr lang="zh-CN" altLang="en-US" sz="2800" smtClean="0">
+              <a:rPr lang="zh-CN" altLang="en-US" sz="2800">
                 <a:cs typeface="Arial" panose="020B0604020202020204" pitchFamily="34" charset="0"/>
               </a:rPr>
               <a:t>概况</a:t>
             </a:r>
-            <a:endParaRPr lang="en-US" altLang="zh-CN" sz="2800" smtClean="0">
+            <a:endParaRPr lang="en-US" altLang="zh-CN" sz="2800">
               <a:cs typeface="Arial" panose="020B0604020202020204" pitchFamily="34" charset="0"/>
             </a:endParaRPr>
           </a:p>
           <a:p>
             <a:pPr lvl="1" eaLnBrk="1" hangingPunct="1"/>
             <a:r>
-              <a:rPr lang="zh-CN" altLang="en-US" sz="2800" smtClean="0">
+              <a:rPr lang="zh-CN" altLang="en-US" sz="2800">
                 <a:cs typeface="Arial" panose="020B0604020202020204" pitchFamily="34" charset="0"/>
               </a:rPr>
               <a:t>人员</a:t>
             </a:r>
-            <a:endParaRPr lang="en-US" altLang="zh-CN" sz="2800" smtClean="0">
+            <a:endParaRPr lang="en-US" altLang="zh-CN" sz="2800">
               <a:cs typeface="Arial" panose="020B0604020202020204" pitchFamily="34" charset="0"/>
             </a:endParaRPr>
           </a:p>
           <a:p>
             <a:pPr lvl="1" eaLnBrk="1" hangingPunct="1"/>
             <a:r>
-              <a:rPr lang="zh-CN" altLang="en-US" sz="2800" smtClean="0">
+              <a:rPr lang="zh-CN" altLang="en-US" sz="2800">
                 <a:cs typeface="Arial" panose="020B0604020202020204" pitchFamily="34" charset="0"/>
               </a:rPr>
               <a:t>环境</a:t>
             </a:r>
-            <a:endParaRPr lang="en-US" altLang="zh-CN" sz="2800" smtClean="0">
+            <a:endParaRPr lang="en-US" altLang="zh-CN" sz="2800">
               <a:cs typeface="Arial" panose="020B0604020202020204" pitchFamily="34" charset="0"/>
             </a:endParaRPr>
           </a:p>
           <a:p>
             <a:pPr lvl="1" eaLnBrk="1" hangingPunct="1"/>
             <a:r>
-              <a:rPr lang="zh-CN" altLang="en-US" sz="2800" smtClean="0">
+              <a:rPr lang="zh-CN" altLang="en-US" sz="2800">
                 <a:cs typeface="Arial" panose="020B0604020202020204" pitchFamily="34" charset="0"/>
               </a:rPr>
               <a:t>周期</a:t>
             </a:r>
-            <a:endParaRPr lang="en-US" altLang="zh-CN" sz="2800" smtClean="0">
+            <a:endParaRPr lang="en-US" altLang="zh-CN" sz="2800">
               <a:cs typeface="Arial" panose="020B0604020202020204" pitchFamily="34" charset="0"/>
             </a:endParaRPr>
           </a:p>
           <a:p>
             <a:pPr lvl="1" eaLnBrk="1" hangingPunct="1"/>
             <a:r>
-              <a:rPr lang="zh-CN" altLang="en-US" sz="2800" smtClean="0">
+              <a:rPr lang="zh-CN" altLang="en-US" sz="2800">
                 <a:cs typeface="Arial" panose="020B0604020202020204" pitchFamily="34" charset="0"/>
               </a:rPr>
               <a:t>经验总结</a:t>
             </a:r>
-            <a:endParaRPr lang="en-US" altLang="zh-CN" sz="2800" smtClean="0">
+            <a:endParaRPr lang="en-US" altLang="zh-CN" sz="2800">
               <a:cs typeface="Arial" panose="020B0604020202020204" pitchFamily="34" charset="0"/>
             </a:endParaRPr>
           </a:p>
           <a:p>
             <a:pPr lvl="1" eaLnBrk="1" hangingPunct="1"/>
             <a:r>
-              <a:rPr lang="en-US" altLang="zh-CN" sz="2800" smtClean="0">
+              <a:rPr lang="en-US" altLang="zh-CN" sz="2800">
                 <a:cs typeface="Arial" panose="020B0604020202020204" pitchFamily="34" charset="0"/>
               </a:rPr>
               <a:t>…</a:t>
             </a:r>
-            <a:endParaRPr lang="zh-CN" altLang="en-US" sz="2800" smtClean="0">
+            <a:endParaRPr lang="zh-CN" altLang="en-US" sz="2800">
               <a:cs typeface="Arial" panose="020B0604020202020204" pitchFamily="34" charset="0"/>
             </a:endParaRPr>
           </a:p>
@@ -7852,7 +7812,7 @@
               <a:pPr/>
               <a:t>16</a:t>
             </a:fld>
-            <a:endParaRPr lang="en-US" altLang="zh-CN" smtClean="0">
+            <a:endParaRPr lang="en-US" altLang="zh-CN">
               <a:solidFill>
                 <a:srgbClr val="898989"/>
               </a:solidFill>
@@ -7867,13 +7827,6 @@
   <p:clrMapOvr>
     <a:masterClrMapping/>
   </p:clrMapOvr>
-  <p:timing>
-    <p:tnLst>
-      <p:par>
-        <p:cTn id="1" dur="indefinite" restart="never" nodeType="tmRoot"/>
-      </p:par>
-    </p:tnLst>
-  </p:timing>
 </p:sld>
 </file>
 
@@ -7915,10 +7868,10 @@
               </a:spcAft>
             </a:pPr>
             <a:r>
-              <a:rPr lang="zh-CN" altLang="en-US" smtClean="0"/>
+              <a:rPr lang="zh-CN" altLang="en-US"/>
               <a:t>项目汇报</a:t>
             </a:r>
-            <a:endParaRPr lang="en-US" altLang="zh-CN" smtClean="0"/>
+            <a:endParaRPr lang="en-US" altLang="zh-CN"/>
           </a:p>
         </p:txBody>
       </p:sp>
@@ -7939,19 +7892,19 @@
           <a:p>
             <a:pPr eaLnBrk="1" hangingPunct="1"/>
             <a:r>
-              <a:rPr lang="zh-CN" altLang="en-US" sz="3600" smtClean="0">
+              <a:rPr lang="zh-CN" altLang="en-US" sz="3600">
                 <a:cs typeface="Arial" panose="020B0604020202020204" pitchFamily="34" charset="0"/>
               </a:rPr>
               <a:t>汇报要求</a:t>
             </a:r>
-            <a:endParaRPr lang="en-US" altLang="zh-CN" sz="3600" smtClean="0">
+            <a:endParaRPr lang="en-US" altLang="zh-CN" sz="3600">
               <a:cs typeface="Arial" panose="020B0604020202020204" pitchFamily="34" charset="0"/>
             </a:endParaRPr>
           </a:p>
           <a:p>
             <a:pPr lvl="1" eaLnBrk="1" hangingPunct="1"/>
             <a:r>
-              <a:rPr lang="zh-CN" altLang="en-US" sz="3200" smtClean="0">
+              <a:rPr lang="zh-CN" altLang="en-US" sz="3200">
                 <a:cs typeface="Arial" panose="020B0604020202020204" pitchFamily="34" charset="0"/>
               </a:rPr>
               <a:t>内容参考文档要求的项目管理各个部分</a:t>
@@ -7960,7 +7913,7 @@
           <a:p>
             <a:pPr lvl="1" eaLnBrk="1" hangingPunct="1"/>
             <a:r>
-              <a:rPr lang="zh-CN" altLang="en-US" sz="3200" smtClean="0">
+              <a:rPr lang="zh-CN" altLang="en-US" sz="3200">
                 <a:cs typeface="Arial" panose="020B0604020202020204" pitchFamily="34" charset="0"/>
               </a:rPr>
               <a:t>每个项目成员都要汇报</a:t>
@@ -7969,7 +7922,7 @@
           <a:p>
             <a:pPr lvl="1" eaLnBrk="1" hangingPunct="1"/>
             <a:r>
-              <a:rPr lang="zh-CN" altLang="en-US" sz="3200" smtClean="0">
+              <a:rPr lang="zh-CN" altLang="en-US" sz="3200">
                 <a:cs typeface="Arial" panose="020B0604020202020204" pitchFamily="34" charset="0"/>
               </a:rPr>
               <a:t>每个人对项目的贡献和工作内容简介</a:t>
@@ -7978,19 +7931,19 @@
           <a:p>
             <a:pPr lvl="1" eaLnBrk="1" hangingPunct="1"/>
             <a:r>
-              <a:rPr lang="zh-CN" altLang="en-US" sz="3200" smtClean="0">
+              <a:rPr lang="zh-CN" altLang="en-US" sz="3200">
                 <a:cs typeface="Arial" panose="020B0604020202020204" pitchFamily="34" charset="0"/>
               </a:rPr>
               <a:t>每人时间控制在</a:t>
             </a:r>
             <a:r>
-              <a:rPr lang="en-US" altLang="zh-CN" sz="3200" smtClean="0">
+              <a:rPr lang="en-US" altLang="zh-CN" sz="3200">
                 <a:cs typeface="Arial" panose="020B0604020202020204" pitchFamily="34" charset="0"/>
               </a:rPr>
               <a:t>3</a:t>
             </a:r>
             <a:r>
-              <a:rPr lang="zh-CN" altLang="en-US" sz="3200" smtClean="0">
+              <a:rPr lang="zh-CN" altLang="en-US" sz="3200">
                 <a:cs typeface="Arial" panose="020B0604020202020204" pitchFamily="34" charset="0"/>
               </a:rPr>
               <a:t>分钟</a:t>
@@ -7999,18 +7952,18 @@
           <a:p>
             <a:pPr lvl="1" eaLnBrk="1" hangingPunct="1"/>
             <a:r>
-              <a:rPr lang="zh-CN" altLang="en-US" sz="3200" smtClean="0">
+              <a:rPr lang="zh-CN" altLang="en-US" sz="3200">
                 <a:cs typeface="Arial" panose="020B0604020202020204" pitchFamily="34" charset="0"/>
               </a:rPr>
               <a:t>要准备</a:t>
             </a:r>
             <a:r>
-              <a:rPr lang="en-US" altLang="zh-CN" sz="3200" smtClean="0">
+              <a:rPr lang="en-US" altLang="zh-CN" sz="3200">
                 <a:cs typeface="Arial" panose="020B0604020202020204" pitchFamily="34" charset="0"/>
               </a:rPr>
               <a:t>PPT</a:t>
             </a:r>
-            <a:endParaRPr lang="zh-CN" altLang="en-US" sz="3200" smtClean="0">
+            <a:endParaRPr lang="zh-CN" altLang="en-US" sz="3200">
               <a:cs typeface="Arial" panose="020B0604020202020204" pitchFamily="34" charset="0"/>
             </a:endParaRPr>
           </a:p>
@@ -8199,7 +8152,7 @@
               <a:pPr/>
               <a:t>17</a:t>
             </a:fld>
-            <a:endParaRPr lang="en-US" altLang="zh-CN" smtClean="0">
+            <a:endParaRPr lang="en-US" altLang="zh-CN">
               <a:solidFill>
                 <a:srgbClr val="898989"/>
               </a:solidFill>
@@ -8214,13 +8167,6 @@
   <p:clrMapOvr>
     <a:masterClrMapping/>
   </p:clrMapOvr>
-  <p:timing>
-    <p:tnLst>
-      <p:par>
-        <p:cTn id="1" dur="indefinite" restart="never" nodeType="tmRoot"/>
-      </p:par>
-    </p:tnLst>
-  </p:timing>
 </p:sld>
 </file>
 
@@ -8262,10 +8208,10 @@
               </a:spcAft>
             </a:pPr>
             <a:r>
-              <a:rPr lang="zh-CN" altLang="en-US" smtClean="0"/>
+              <a:rPr lang="zh-CN" altLang="en-US"/>
               <a:t>项目评分</a:t>
             </a:r>
-            <a:endParaRPr lang="en-US" altLang="zh-CN" smtClean="0"/>
+            <a:endParaRPr lang="en-US" altLang="zh-CN"/>
           </a:p>
         </p:txBody>
       </p:sp>
@@ -8286,49 +8232,49 @@
           <a:p>
             <a:pPr eaLnBrk="1" hangingPunct="1"/>
             <a:r>
-              <a:rPr lang="zh-CN" altLang="en-US" sz="3600" smtClean="0">
+              <a:rPr lang="zh-CN" altLang="en-US" sz="3600">
                 <a:cs typeface="Arial" panose="020B0604020202020204" pitchFamily="34" charset="0"/>
               </a:rPr>
               <a:t>总分</a:t>
             </a:r>
             <a:r>
-              <a:rPr lang="en-US" altLang="zh-CN" sz="3600" smtClean="0">
+              <a:rPr lang="en-US" altLang="zh-CN" sz="3600">
                 <a:cs typeface="Arial" panose="020B0604020202020204" pitchFamily="34" charset="0"/>
               </a:rPr>
               <a:t>40</a:t>
             </a:r>
             <a:r>
-              <a:rPr lang="zh-CN" altLang="en-US" sz="3600" smtClean="0">
+              <a:rPr lang="zh-CN" altLang="en-US" sz="3600">
                 <a:cs typeface="Arial" panose="020B0604020202020204" pitchFamily="34" charset="0"/>
               </a:rPr>
               <a:t>分</a:t>
             </a:r>
-            <a:endParaRPr lang="en-US" altLang="zh-CN" sz="3600" smtClean="0">
+            <a:endParaRPr lang="en-US" altLang="zh-CN" sz="3600">
               <a:cs typeface="Arial" panose="020B0604020202020204" pitchFamily="34" charset="0"/>
             </a:endParaRPr>
           </a:p>
           <a:p>
             <a:pPr lvl="1" eaLnBrk="1" hangingPunct="1"/>
             <a:r>
-              <a:rPr lang="zh-CN" altLang="en-US" sz="3200" smtClean="0">
+              <a:rPr lang="zh-CN" altLang="en-US" sz="3200">
                 <a:cs typeface="Arial" panose="020B0604020202020204" pitchFamily="34" charset="0"/>
               </a:rPr>
               <a:t>项目完成情况</a:t>
             </a:r>
             <a:r>
-              <a:rPr lang="en-US" altLang="zh-CN" sz="3200" smtClean="0">
+              <a:rPr lang="en-US" altLang="zh-CN" sz="3200">
                 <a:cs typeface="Arial" panose="020B0604020202020204" pitchFamily="34" charset="0"/>
               </a:rPr>
               <a:t>(15</a:t>
             </a:r>
             <a:r>
-              <a:rPr lang="zh-CN" altLang="en-US" sz="3200" smtClean="0">
+              <a:rPr lang="zh-CN" altLang="en-US" sz="3200">
                 <a:cs typeface="Arial" panose="020B0604020202020204" pitchFamily="34" charset="0"/>
               </a:rPr>
               <a:t>分</a:t>
             </a:r>
             <a:r>
-              <a:rPr lang="en-US" altLang="zh-CN" sz="3200" smtClean="0">
+              <a:rPr lang="en-US" altLang="zh-CN" sz="3200">
                 <a:cs typeface="Arial" panose="020B0604020202020204" pitchFamily="34" charset="0"/>
               </a:rPr>
               <a:t>)		</a:t>
@@ -8337,37 +8283,37 @@
           <a:p>
             <a:pPr lvl="2" eaLnBrk="1" hangingPunct="1"/>
             <a:r>
-              <a:rPr lang="zh-CN" altLang="en-US" sz="2600" smtClean="0">
+              <a:rPr lang="zh-CN" altLang="en-US" sz="2600">
                 <a:cs typeface="Arial" panose="020B0604020202020204" pitchFamily="34" charset="0"/>
               </a:rPr>
               <a:t>包括立意及创新；复杂度；健壮、可扩展、兼容等</a:t>
             </a:r>
-            <a:endParaRPr lang="en-US" altLang="zh-CN" sz="2600" smtClean="0">
+            <a:endParaRPr lang="en-US" altLang="zh-CN" sz="2600">
               <a:cs typeface="Arial" panose="020B0604020202020204" pitchFamily="34" charset="0"/>
             </a:endParaRPr>
           </a:p>
           <a:p>
             <a:pPr lvl="1" eaLnBrk="1" hangingPunct="1"/>
             <a:r>
-              <a:rPr lang="zh-CN" altLang="en-US" sz="3200" smtClean="0">
+              <a:rPr lang="zh-CN" altLang="en-US" sz="3200">
                 <a:cs typeface="Arial" panose="020B0604020202020204" pitchFamily="34" charset="0"/>
               </a:rPr>
               <a:t>文档</a:t>
             </a:r>
             <a:r>
-              <a:rPr lang="en-US" altLang="zh-CN" sz="3200" smtClean="0">
+              <a:rPr lang="en-US" altLang="zh-CN" sz="3200">
                 <a:cs typeface="Arial" panose="020B0604020202020204" pitchFamily="34" charset="0"/>
               </a:rPr>
               <a:t>(15</a:t>
             </a:r>
             <a:r>
-              <a:rPr lang="zh-CN" altLang="en-US" sz="3200" smtClean="0">
+              <a:rPr lang="zh-CN" altLang="en-US" sz="3200">
                 <a:cs typeface="Arial" panose="020B0604020202020204" pitchFamily="34" charset="0"/>
               </a:rPr>
               <a:t>分</a:t>
             </a:r>
             <a:r>
-              <a:rPr lang="en-US" altLang="zh-CN" sz="3200" smtClean="0">
+              <a:rPr lang="en-US" altLang="zh-CN" sz="3200">
                 <a:cs typeface="Arial" panose="020B0604020202020204" pitchFamily="34" charset="0"/>
               </a:rPr>
               <a:t>) </a:t>
@@ -8376,78 +8322,78 @@
           <a:p>
             <a:pPr lvl="1" eaLnBrk="1" hangingPunct="1"/>
             <a:r>
-              <a:rPr lang="en-US" altLang="zh-CN" sz="3200" smtClean="0">
+              <a:rPr lang="en-US" altLang="zh-CN" sz="3200">
                 <a:cs typeface="Arial" panose="020B0604020202020204" pitchFamily="34" charset="0"/>
               </a:rPr>
               <a:t>Presentation</a:t>
             </a:r>
             <a:r>
-              <a:rPr lang="zh-CN" altLang="en-US" sz="3200" smtClean="0">
+              <a:rPr lang="zh-CN" altLang="en-US" sz="3200">
                 <a:cs typeface="Arial" panose="020B0604020202020204" pitchFamily="34" charset="0"/>
               </a:rPr>
               <a:t>（</a:t>
             </a:r>
             <a:r>
-              <a:rPr lang="en-US" altLang="zh-CN" sz="3200" smtClean="0">
+              <a:rPr lang="en-US" altLang="zh-CN" sz="3200">
                 <a:cs typeface="Arial" panose="020B0604020202020204" pitchFamily="34" charset="0"/>
               </a:rPr>
               <a:t>5</a:t>
             </a:r>
             <a:r>
-              <a:rPr lang="zh-CN" altLang="en-US" sz="3200" smtClean="0">
+              <a:rPr lang="zh-CN" altLang="en-US" sz="3200">
                 <a:cs typeface="Arial" panose="020B0604020202020204" pitchFamily="34" charset="0"/>
               </a:rPr>
               <a:t>分） </a:t>
             </a:r>
-            <a:endParaRPr lang="en-US" altLang="zh-CN" sz="3200" smtClean="0">
+            <a:endParaRPr lang="en-US" altLang="zh-CN" sz="3200">
               <a:cs typeface="Arial" panose="020B0604020202020204" pitchFamily="34" charset="0"/>
             </a:endParaRPr>
           </a:p>
           <a:p>
             <a:pPr lvl="2" eaLnBrk="1" hangingPunct="1"/>
             <a:r>
-              <a:rPr lang="zh-CN" altLang="en-US" sz="2600" smtClean="0">
+              <a:rPr lang="zh-CN" altLang="en-US" sz="2600">
                 <a:cs typeface="Arial" panose="020B0604020202020204" pitchFamily="34" charset="0"/>
               </a:rPr>
               <a:t>包括时间掌握、语言表达、内容、贡献</a:t>
             </a:r>
-            <a:endParaRPr lang="en-US" altLang="zh-CN" sz="2600" smtClean="0">
+            <a:endParaRPr lang="en-US" altLang="zh-CN" sz="2600">
               <a:cs typeface="Arial" panose="020B0604020202020204" pitchFamily="34" charset="0"/>
             </a:endParaRPr>
           </a:p>
           <a:p>
             <a:pPr lvl="1" eaLnBrk="1" hangingPunct="1"/>
             <a:r>
-              <a:rPr lang="en-US" altLang="zh-CN" sz="3200" smtClean="0">
+              <a:rPr lang="en-US" altLang="zh-CN" sz="3200">
                 <a:cs typeface="Arial" panose="020B0604020202020204" pitchFamily="34" charset="0"/>
               </a:rPr>
               <a:t>TA</a:t>
             </a:r>
             <a:r>
-              <a:rPr lang="zh-CN" altLang="en-US" sz="3200" smtClean="0">
+              <a:rPr lang="zh-CN" altLang="en-US" sz="3200">
                 <a:cs typeface="Arial" panose="020B0604020202020204" pitchFamily="34" charset="0"/>
               </a:rPr>
               <a:t>评分：项目合作 </a:t>
             </a:r>
             <a:r>
-              <a:rPr lang="en-US" altLang="zh-CN" sz="3200" smtClean="0">
+              <a:rPr lang="en-US" altLang="zh-CN" sz="3200">
                 <a:cs typeface="Arial" panose="020B0604020202020204" pitchFamily="34" charset="0"/>
               </a:rPr>
               <a:t>(5</a:t>
             </a:r>
             <a:r>
-              <a:rPr lang="zh-CN" altLang="en-US" sz="3200" smtClean="0">
+              <a:rPr lang="zh-CN" altLang="en-US" sz="3200">
                 <a:cs typeface="Arial" panose="020B0604020202020204" pitchFamily="34" charset="0"/>
               </a:rPr>
               <a:t>分</a:t>
             </a:r>
             <a:r>
-              <a:rPr lang="en-US" altLang="zh-CN" sz="3200" smtClean="0">
+              <a:rPr lang="en-US" altLang="zh-CN" sz="3200">
                 <a:cs typeface="Arial" panose="020B0604020202020204" pitchFamily="34" charset="0"/>
               </a:rPr>
               <a:t>) </a:t>
             </a:r>
-            <a:endParaRPr lang="zh-CN" altLang="en-US" sz="3200" smtClean="0">
+            <a:endParaRPr lang="zh-CN" altLang="en-US" sz="3200">
               <a:cs typeface="Arial" panose="020B0604020202020204" pitchFamily="34" charset="0"/>
             </a:endParaRPr>
           </a:p>
@@ -8636,7 +8582,7 @@
               <a:pPr/>
               <a:t>18</a:t>
             </a:fld>
-            <a:endParaRPr lang="en-US" altLang="zh-CN" smtClean="0">
+            <a:endParaRPr lang="en-US" altLang="zh-CN">
               <a:solidFill>
                 <a:srgbClr val="898989"/>
               </a:solidFill>
@@ -8651,13 +8597,6 @@
   <p:clrMapOvr>
     <a:masterClrMapping/>
   </p:clrMapOvr>
-  <p:timing>
-    <p:tnLst>
-      <p:par>
-        <p:cTn id="1" dur="indefinite" restart="never" nodeType="tmRoot"/>
-      </p:par>
-    </p:tnLst>
-  </p:timing>
 </p:sld>
 </file>
 
@@ -8695,7 +8634,7 @@
           <a:p>
             <a:pPr eaLnBrk="1" hangingPunct="1"/>
             <a:r>
-              <a:rPr lang="zh-CN" altLang="en-US" smtClean="0"/>
+              <a:rPr lang="zh-CN" altLang="en-US"/>
               <a:t>卓越工程师班要求</a:t>
             </a:r>
           </a:p>
@@ -8718,7 +8657,7 @@
           <a:p>
             <a:pPr eaLnBrk="1" hangingPunct="1"/>
             <a:r>
-              <a:rPr lang="en-US" altLang="zh-CN" dirty="0" smtClean="0">
+              <a:rPr lang="en-US" altLang="zh-CN" dirty="0">
                 <a:cs typeface="Arial" panose="020B0604020202020204" pitchFamily="34" charset="0"/>
               </a:rPr>
               <a:t>Open Topic</a:t>
@@ -8727,19 +8666,19 @@
           <a:p>
             <a:pPr lvl="1" eaLnBrk="1" hangingPunct="1"/>
             <a:r>
-              <a:rPr lang="zh-CN" altLang="en-US" dirty="0" smtClean="0">
+              <a:rPr lang="zh-CN" altLang="en-US" dirty="0">
                 <a:cs typeface="Arial" panose="020B0604020202020204" pitchFamily="34" charset="0"/>
               </a:rPr>
               <a:t>所有选择卓越工程师班的同学都要选做。以个人为单位，与小组无关</a:t>
             </a:r>
-            <a:endParaRPr lang="en-US" altLang="zh-CN" dirty="0" smtClean="0">
+            <a:endParaRPr lang="en-US" altLang="zh-CN" dirty="0">
               <a:cs typeface="Arial" panose="020B0604020202020204" pitchFamily="34" charset="0"/>
             </a:endParaRPr>
           </a:p>
           <a:p>
             <a:pPr lvl="1" eaLnBrk="1" hangingPunct="1"/>
             <a:r>
-              <a:rPr lang="zh-CN" altLang="en-US" dirty="0" smtClean="0">
+              <a:rPr lang="zh-CN" altLang="en-US" dirty="0">
                 <a:solidFill>
                   <a:srgbClr val="FF0066"/>
                 </a:solidFill>
@@ -8748,19 +8687,13 @@
               <a:t>每个人</a:t>
             </a:r>
             <a:r>
-              <a:rPr lang="zh-CN" altLang="en-US" dirty="0" smtClean="0">
-                <a:cs typeface="Arial" panose="020B0604020202020204" pitchFamily="34" charset="0"/>
-              </a:rPr>
-              <a:t>选取</a:t>
-            </a:r>
-            <a:r>
-              <a:rPr lang="zh-CN" altLang="en-US" dirty="0" smtClean="0">
-                <a:cs typeface="Arial" panose="020B0604020202020204" pitchFamily="34" charset="0"/>
-              </a:rPr>
-              <a:t>项目管理相关</a:t>
-            </a:r>
-            <a:r>
-              <a:rPr lang="zh-CN" altLang="en-US" dirty="0" smtClean="0">
+              <a:rPr lang="zh-CN" altLang="en-US" dirty="0">
+                <a:cs typeface="Arial" panose="020B0604020202020204" pitchFamily="34" charset="0"/>
+              </a:rPr>
+              <a:t>选取项目管理相关</a:t>
+            </a:r>
+            <a:r>
+              <a:rPr lang="zh-CN" altLang="en-US" dirty="0">
                 <a:solidFill>
                   <a:srgbClr val="FF0066"/>
                 </a:solidFill>
@@ -8769,19 +8702,13 @@
               <a:t>论文、书籍、文档</a:t>
             </a:r>
             <a:r>
-              <a:rPr lang="zh-CN" altLang="en-US" dirty="0" smtClean="0">
-                <a:cs typeface="Arial" panose="020B0604020202020204" pitchFamily="34" charset="0"/>
-              </a:rPr>
-              <a:t>等相关资料，</a:t>
-            </a:r>
-            <a:r>
-              <a:rPr lang="zh-CN" altLang="en-US" dirty="0" smtClean="0">
-                <a:cs typeface="Arial" panose="020B0604020202020204" pitchFamily="34" charset="0"/>
-              </a:rPr>
-              <a:t>并做一次</a:t>
-            </a:r>
-            <a:r>
-              <a:rPr lang="zh-CN" altLang="en-US" dirty="0" smtClean="0">
+              <a:rPr lang="zh-CN" altLang="en-US" dirty="0">
+                <a:cs typeface="Arial" panose="020B0604020202020204" pitchFamily="34" charset="0"/>
+              </a:rPr>
+              <a:t>等相关资料，并做一次</a:t>
+            </a:r>
+            <a:r>
+              <a:rPr lang="zh-CN" altLang="en-US" dirty="0">
                 <a:solidFill>
                   <a:srgbClr val="FF0066"/>
                 </a:solidFill>
@@ -8790,7 +8717,7 @@
               <a:t>长度为</a:t>
             </a:r>
             <a:r>
-              <a:rPr lang="en-US" altLang="zh-CN" dirty="0" smtClean="0">
+              <a:rPr lang="en-US" altLang="zh-CN" dirty="0">
                 <a:solidFill>
                   <a:srgbClr val="FF0066"/>
                 </a:solidFill>
@@ -8799,24 +8726,15 @@
               <a:t>5</a:t>
             </a:r>
             <a:r>
-              <a:rPr lang="zh-CN" altLang="en-US" dirty="0" smtClean="0">
+              <a:rPr lang="zh-CN" altLang="en-US" dirty="0">
                 <a:solidFill>
                   <a:srgbClr val="FF0066"/>
                 </a:solidFill>
                 <a:cs typeface="Arial" panose="020B0604020202020204" pitchFamily="34" charset="0"/>
               </a:rPr>
-              <a:t>分钟的</a:t>
-            </a:r>
-            <a:r>
-              <a:rPr lang="zh-CN" altLang="en-US" dirty="0" smtClean="0">
-                <a:solidFill>
-                  <a:srgbClr val="FF0066"/>
-                </a:solidFill>
-                <a:cs typeface="Arial" panose="020B0604020202020204" pitchFamily="34" charset="0"/>
-              </a:rPr>
-              <a:t>汇报</a:t>
-            </a:r>
-            <a:endParaRPr lang="en-US" altLang="zh-CN" dirty="0" smtClean="0">
+              <a:t>分钟的汇报</a:t>
+            </a:r>
+            <a:endParaRPr lang="en-US" altLang="zh-CN" dirty="0">
               <a:solidFill>
                 <a:srgbClr val="FF0066"/>
               </a:solidFill>
@@ -8826,7 +8744,7 @@
           <a:p>
             <a:pPr lvl="1" eaLnBrk="1" hangingPunct="1"/>
             <a:r>
-              <a:rPr lang="zh-CN" altLang="en-US" dirty="0" smtClean="0">
+              <a:rPr lang="zh-CN" altLang="en-US" dirty="0">
                 <a:solidFill>
                   <a:srgbClr val="FF0066"/>
                 </a:solidFill>
@@ -8835,54 +8753,39 @@
               <a:t>每个人</a:t>
             </a:r>
             <a:r>
-              <a:rPr lang="zh-CN" altLang="en-US" dirty="0" smtClean="0">
-                <a:cs typeface="Arial" panose="020B0604020202020204" pitchFamily="34" charset="0"/>
-              </a:rPr>
-              <a:t>提交一</a:t>
-            </a:r>
-            <a:r>
-              <a:rPr lang="zh-CN" altLang="en-US" dirty="0" smtClean="0">
-                <a:cs typeface="Arial" panose="020B0604020202020204" pitchFamily="34" charset="0"/>
-              </a:rPr>
-              <a:t>份</a:t>
-            </a:r>
-            <a:r>
-              <a:rPr lang="zh-CN" altLang="en-US" dirty="0" smtClean="0">
+              <a:rPr lang="zh-CN" altLang="en-US" dirty="0">
+                <a:cs typeface="Arial" panose="020B0604020202020204" pitchFamily="34" charset="0"/>
+              </a:rPr>
+              <a:t>提交一份</a:t>
+            </a:r>
+            <a:r>
+              <a:rPr lang="zh-CN" altLang="en-US" dirty="0">
                 <a:solidFill>
                   <a:srgbClr val="FF0066"/>
                 </a:solidFill>
                 <a:cs typeface="Arial" panose="020B0604020202020204" pitchFamily="34" charset="0"/>
               </a:rPr>
-              <a:t>书面报告，</a:t>
-            </a:r>
-            <a:r>
-              <a:rPr lang="zh-CN" altLang="en-US" dirty="0" smtClean="0">
+              <a:t>书面报告，不得少于</a:t>
+            </a:r>
+            <a:r>
+              <a:rPr lang="en-US" altLang="zh-CN" dirty="0">
                 <a:solidFill>
                   <a:srgbClr val="FF0066"/>
                 </a:solidFill>
                 <a:cs typeface="Arial" panose="020B0604020202020204" pitchFamily="34" charset="0"/>
               </a:rPr>
-              <a:t>不得少于</a:t>
-            </a:r>
-            <a:r>
-              <a:rPr lang="en-US" altLang="zh-CN" dirty="0" smtClean="0">
+              <a:t>4</a:t>
+            </a:r>
+            <a:r>
+              <a:rPr lang="zh-CN" altLang="en-US" dirty="0">
                 <a:solidFill>
                   <a:srgbClr val="FF0066"/>
                 </a:solidFill>
                 <a:cs typeface="Arial" panose="020B0604020202020204" pitchFamily="34" charset="0"/>
               </a:rPr>
-              <a:t>4</a:t>
-            </a:r>
-            <a:r>
-              <a:rPr lang="zh-CN" altLang="en-US" dirty="0" smtClean="0">
-                <a:solidFill>
-                  <a:srgbClr val="FF0066"/>
-                </a:solidFill>
-                <a:cs typeface="Arial" panose="020B0604020202020204" pitchFamily="34" charset="0"/>
-              </a:rPr>
               <a:t>页</a:t>
             </a:r>
-            <a:endParaRPr lang="en-US" altLang="zh-CN" dirty="0" smtClean="0">
+            <a:endParaRPr lang="en-US" altLang="zh-CN" dirty="0">
               <a:solidFill>
                 <a:srgbClr val="FF0066"/>
               </a:solidFill>
@@ -8892,43 +8795,37 @@
           <a:p>
             <a:pPr eaLnBrk="1" hangingPunct="1"/>
             <a:r>
-              <a:rPr lang="zh-CN" altLang="en-US" dirty="0" smtClean="0">
+              <a:rPr lang="zh-CN" altLang="en-US" dirty="0">
                 <a:cs typeface="Arial" panose="020B0604020202020204" pitchFamily="34" charset="0"/>
               </a:rPr>
               <a:t>课程项目附加要求</a:t>
             </a:r>
-            <a:endParaRPr lang="en-US" altLang="zh-CN" dirty="0" smtClean="0">
+            <a:endParaRPr lang="en-US" altLang="zh-CN" dirty="0">
               <a:cs typeface="Arial" panose="020B0604020202020204" pitchFamily="34" charset="0"/>
             </a:endParaRPr>
           </a:p>
           <a:p>
             <a:pPr lvl="1" eaLnBrk="1" hangingPunct="1"/>
             <a:r>
-              <a:rPr lang="zh-CN" altLang="en-US" dirty="0" smtClean="0">
-                <a:cs typeface="Arial" panose="020B0604020202020204" pitchFamily="34" charset="0"/>
-              </a:rPr>
-              <a:t>项目小组中含有一位卓越工程师班同学，则按照卓越工程师班要求</a:t>
-            </a:r>
-            <a:r>
-              <a:rPr lang="zh-CN" altLang="en-US" dirty="0" smtClean="0">
-                <a:cs typeface="Arial" panose="020B0604020202020204" pitchFamily="34" charset="0"/>
-              </a:rPr>
-              <a:t>评分，评分标准会更高</a:t>
-            </a:r>
-            <a:endParaRPr lang="en-US" altLang="zh-CN" dirty="0" smtClean="0">
+              <a:rPr lang="zh-CN" altLang="en-US" dirty="0">
+                <a:cs typeface="Arial" panose="020B0604020202020204" pitchFamily="34" charset="0"/>
+              </a:rPr>
+              <a:t>项目小组中含有一位卓越工程师班同学，则按照卓越工程师班要求评分，评分标准会更高</a:t>
+            </a:r>
+            <a:endParaRPr lang="en-US" altLang="zh-CN" dirty="0">
               <a:cs typeface="Arial" panose="020B0604020202020204" pitchFamily="34" charset="0"/>
             </a:endParaRPr>
           </a:p>
           <a:p>
             <a:pPr lvl="1" eaLnBrk="1" hangingPunct="1"/>
             <a:r>
-              <a:rPr lang="zh-CN" altLang="en-US" dirty="0" smtClean="0">
+              <a:rPr lang="zh-CN" altLang="en-US" dirty="0">
                 <a:cs typeface="Arial" panose="020B0604020202020204" pitchFamily="34" charset="0"/>
               </a:rPr>
               <a:t>提交</a:t>
             </a:r>
             <a:r>
-              <a:rPr lang="zh-CN" altLang="en-US" dirty="0" smtClean="0">
+              <a:rPr lang="zh-CN" altLang="en-US" dirty="0">
                 <a:solidFill>
                   <a:srgbClr val="FF0066"/>
                 </a:solidFill>
@@ -8937,13 +8834,13 @@
               <a:t>项目文档</a:t>
             </a:r>
             <a:r>
-              <a:rPr lang="zh-CN" altLang="en-US" dirty="0" smtClean="0">
+              <a:rPr lang="zh-CN" altLang="en-US" dirty="0">
                 <a:cs typeface="Arial" panose="020B0604020202020204" pitchFamily="34" charset="0"/>
               </a:rPr>
               <a:t>不得少于</a:t>
             </a:r>
             <a:r>
-              <a:rPr lang="en-US" altLang="zh-CN" dirty="0" smtClean="0">
+              <a:rPr lang="en-US" altLang="zh-CN" dirty="0">
                 <a:solidFill>
                   <a:srgbClr val="FF0066"/>
                 </a:solidFill>
@@ -8952,24 +8849,15 @@
               <a:t>50</a:t>
             </a:r>
             <a:r>
-              <a:rPr lang="zh-CN" altLang="en-US" dirty="0" smtClean="0">
+              <a:rPr lang="zh-CN" altLang="en-US" dirty="0">
                 <a:solidFill>
                   <a:srgbClr val="FF0066"/>
                 </a:solidFill>
                 <a:cs typeface="Arial" panose="020B0604020202020204" pitchFamily="34" charset="0"/>
               </a:rPr>
-              <a:t>份</a:t>
-            </a:r>
-            <a:r>
-              <a:rPr lang="zh-CN" altLang="en-US" dirty="0" smtClean="0">
-                <a:solidFill>
-                  <a:srgbClr val="FF0066"/>
-                </a:solidFill>
-                <a:cs typeface="Arial" panose="020B0604020202020204" pitchFamily="34" charset="0"/>
-              </a:rPr>
-              <a:t>文件</a:t>
-            </a:r>
-            <a:endParaRPr lang="en-US" altLang="zh-CN" dirty="0" smtClean="0">
+              <a:t>份文件</a:t>
+            </a:r>
+            <a:endParaRPr lang="en-US" altLang="zh-CN" dirty="0">
               <a:solidFill>
                 <a:srgbClr val="FF0066"/>
               </a:solidFill>
@@ -8979,7 +8867,7 @@
           <a:p>
             <a:pPr lvl="1" eaLnBrk="1" hangingPunct="1"/>
             <a:r>
-              <a:rPr lang="zh-CN" altLang="en-US" dirty="0" smtClean="0">
+              <a:rPr lang="zh-CN" altLang="en-US" dirty="0">
                 <a:solidFill>
                   <a:srgbClr val="FF0066"/>
                 </a:solidFill>
@@ -8988,13 +8876,13 @@
               <a:t>项目建议书</a:t>
             </a:r>
             <a:r>
-              <a:rPr lang="zh-CN" altLang="en-US" dirty="0" smtClean="0">
+              <a:rPr lang="zh-CN" altLang="en-US" dirty="0">
                 <a:cs typeface="Arial" panose="020B0604020202020204" pitchFamily="34" charset="0"/>
               </a:rPr>
               <a:t>不得少于</a:t>
             </a:r>
             <a:r>
-              <a:rPr lang="en-US" altLang="zh-CN" dirty="0" smtClean="0">
+              <a:rPr lang="en-US" altLang="zh-CN" dirty="0">
                 <a:solidFill>
                   <a:srgbClr val="FF0066"/>
                 </a:solidFill>
@@ -9003,7 +8891,7 @@
               <a:t>20</a:t>
             </a:r>
             <a:r>
-              <a:rPr lang="zh-CN" altLang="en-US" dirty="0" smtClean="0">
+              <a:rPr lang="zh-CN" altLang="en-US" dirty="0">
                 <a:solidFill>
                   <a:srgbClr val="FF0066"/>
                 </a:solidFill>
@@ -9011,7 +8899,7 @@
               </a:rPr>
               <a:t>页</a:t>
             </a:r>
-            <a:endParaRPr lang="en-US" altLang="zh-CN" dirty="0" smtClean="0">
+            <a:endParaRPr lang="en-US" altLang="zh-CN" dirty="0">
               <a:solidFill>
                 <a:srgbClr val="FF0066"/>
               </a:solidFill>
@@ -9021,7 +8909,7 @@
           <a:p>
             <a:pPr lvl="1" eaLnBrk="1" hangingPunct="1"/>
             <a:r>
-              <a:rPr lang="zh-CN" altLang="en-US" dirty="0" smtClean="0">
+              <a:rPr lang="zh-CN" altLang="en-US" dirty="0">
                 <a:solidFill>
                   <a:srgbClr val="FF0066"/>
                 </a:solidFill>
@@ -9030,13 +8918,13 @@
               <a:t>会议记录</a:t>
             </a:r>
             <a:r>
-              <a:rPr lang="zh-CN" altLang="en-US" dirty="0" smtClean="0">
+              <a:rPr lang="zh-CN" altLang="en-US" dirty="0">
                 <a:cs typeface="Arial" panose="020B0604020202020204" pitchFamily="34" charset="0"/>
               </a:rPr>
               <a:t>不得少于</a:t>
             </a:r>
             <a:r>
-              <a:rPr lang="en-US" altLang="zh-CN" dirty="0" smtClean="0">
+              <a:rPr lang="en-US" altLang="zh-CN" dirty="0">
                 <a:solidFill>
                   <a:srgbClr val="FF0066"/>
                 </a:solidFill>
@@ -9045,7 +8933,7 @@
               <a:t>5</a:t>
             </a:r>
             <a:r>
-              <a:rPr lang="zh-CN" altLang="en-US" dirty="0" smtClean="0">
+              <a:rPr lang="zh-CN" altLang="en-US" dirty="0">
                 <a:solidFill>
                   <a:srgbClr val="FF0066"/>
                 </a:solidFill>
@@ -9053,7 +8941,7 @@
               </a:rPr>
               <a:t>次</a:t>
             </a:r>
-            <a:endParaRPr lang="en-US" altLang="zh-CN" dirty="0" smtClean="0">
+            <a:endParaRPr lang="en-US" altLang="zh-CN" dirty="0">
               <a:solidFill>
                 <a:srgbClr val="FF0066"/>
               </a:solidFill>
@@ -9063,13 +8951,13 @@
           <a:p>
             <a:pPr lvl="1" eaLnBrk="1" hangingPunct="1"/>
             <a:r>
-              <a:rPr lang="zh-CN" altLang="en-US" dirty="0" smtClean="0">
+              <a:rPr lang="zh-CN" altLang="en-US" dirty="0">
                 <a:cs typeface="Arial" panose="020B0604020202020204" pitchFamily="34" charset="0"/>
               </a:rPr>
               <a:t>最后提交的</a:t>
             </a:r>
             <a:r>
-              <a:rPr lang="zh-CN" altLang="en-US" dirty="0" smtClean="0">
+              <a:rPr lang="zh-CN" altLang="en-US" dirty="0">
                 <a:solidFill>
                   <a:srgbClr val="FF0066"/>
                 </a:solidFill>
@@ -9078,13 +8966,13 @@
               <a:t>项目成员述职报告</a:t>
             </a:r>
             <a:r>
-              <a:rPr lang="zh-CN" altLang="en-US" dirty="0" smtClean="0">
+              <a:rPr lang="zh-CN" altLang="en-US" dirty="0">
                 <a:cs typeface="Arial" panose="020B0604020202020204" pitchFamily="34" charset="0"/>
               </a:rPr>
               <a:t>中必须明确每个人的</a:t>
             </a:r>
             <a:r>
-              <a:rPr lang="zh-CN" altLang="en-US" dirty="0" smtClean="0">
+              <a:rPr lang="zh-CN" altLang="en-US" dirty="0">
                 <a:solidFill>
                   <a:srgbClr val="FF0066"/>
                 </a:solidFill>
@@ -9092,7 +8980,7 @@
               </a:rPr>
               <a:t>具体贡献和工作时间</a:t>
             </a:r>
-            <a:endParaRPr lang="en-US" altLang="zh-CN" dirty="0" smtClean="0">
+            <a:endParaRPr lang="en-US" altLang="zh-CN" dirty="0">
               <a:solidFill>
                 <a:srgbClr val="FF0066"/>
               </a:solidFill>
@@ -9102,13 +8990,13 @@
           <a:p>
             <a:pPr lvl="1" eaLnBrk="1" hangingPunct="1"/>
             <a:r>
-              <a:rPr lang="zh-CN" altLang="en-US" dirty="0" smtClean="0">
+              <a:rPr lang="zh-CN" altLang="en-US" dirty="0">
                 <a:cs typeface="Arial" panose="020B0604020202020204" pitchFamily="34" charset="0"/>
               </a:rPr>
               <a:t>最后</a:t>
             </a:r>
             <a:r>
-              <a:rPr lang="zh-CN" altLang="en-US" dirty="0" smtClean="0">
+              <a:rPr lang="zh-CN" altLang="en-US" dirty="0">
                 <a:solidFill>
                   <a:srgbClr val="FF0066"/>
                 </a:solidFill>
@@ -9117,13 +9005,13 @@
               <a:t>项目展示</a:t>
             </a:r>
             <a:r>
-              <a:rPr lang="zh-CN" altLang="en-US" dirty="0" smtClean="0">
+              <a:rPr lang="zh-CN" altLang="en-US" dirty="0">
                 <a:cs typeface="Arial" panose="020B0604020202020204" pitchFamily="34" charset="0"/>
               </a:rPr>
               <a:t>所有成员必须上台展示自己所做的工作，所有人展示时间不少于</a:t>
             </a:r>
             <a:r>
-              <a:rPr lang="en-US" altLang="zh-CN" dirty="0" smtClean="0">
+              <a:rPr lang="en-US" altLang="zh-CN" dirty="0">
                 <a:solidFill>
                   <a:srgbClr val="FF0066"/>
                 </a:solidFill>
@@ -9132,7 +9020,7 @@
               <a:t>5</a:t>
             </a:r>
             <a:r>
-              <a:rPr lang="zh-CN" altLang="en-US" dirty="0" smtClean="0">
+              <a:rPr lang="zh-CN" altLang="en-US" dirty="0">
                 <a:solidFill>
                   <a:srgbClr val="FF0066"/>
                 </a:solidFill>
@@ -9140,7 +9028,7 @@
               </a:rPr>
               <a:t>分钟</a:t>
             </a:r>
-            <a:endParaRPr lang="en-US" altLang="zh-CN" dirty="0" smtClean="0">
+            <a:endParaRPr lang="en-US" altLang="zh-CN" dirty="0">
               <a:solidFill>
                 <a:srgbClr val="FF0066"/>
               </a:solidFill>
@@ -9149,7 +9037,7 @@
           </a:p>
           <a:p>
             <a:pPr lvl="1" eaLnBrk="1" hangingPunct="1"/>
-            <a:endParaRPr lang="zh-CN" altLang="en-US" dirty="0" smtClean="0">
+            <a:endParaRPr lang="zh-CN" altLang="en-US" dirty="0">
               <a:cs typeface="Arial" panose="020B0604020202020204" pitchFamily="34" charset="0"/>
             </a:endParaRPr>
           </a:p>
@@ -9215,13 +9103,6 @@
   <p:clrMapOvr>
     <a:masterClrMapping/>
   </p:clrMapOvr>
-  <p:timing>
-    <p:tnLst>
-      <p:par>
-        <p:cTn id="1" dur="indefinite" restart="never" nodeType="tmRoot"/>
-      </p:par>
-    </p:tnLst>
-  </p:timing>
 </p:sld>
 </file>
 
@@ -9259,7 +9140,7 @@
           <a:p>
             <a:pPr eaLnBrk="1" hangingPunct="1"/>
             <a:r>
-              <a:rPr lang="zh-CN" altLang="en-US" smtClean="0"/>
+              <a:rPr lang="zh-CN" altLang="en-US"/>
               <a:t>大纲</a:t>
             </a:r>
           </a:p>
@@ -9292,7 +9173,7 @@
               <a:rPr lang="zh-CN" altLang="en-US" sz="3600" dirty="0"/>
               <a:t>项目选题</a:t>
             </a:r>
-            <a:endParaRPr lang="en-US" altLang="zh-CN" dirty="0" smtClean="0"/>
+            <a:endParaRPr lang="en-US" altLang="zh-CN" dirty="0"/>
           </a:p>
           <a:p>
             <a:pPr eaLnBrk="1" fontAlgn="auto" hangingPunct="1">
@@ -9305,7 +9186,7 @@
               <a:rPr lang="zh-CN" altLang="en-US" sz="3600" dirty="0"/>
               <a:t>项目分组</a:t>
             </a:r>
-            <a:endParaRPr lang="en-US" altLang="zh-CN" dirty="0" smtClean="0"/>
+            <a:endParaRPr lang="en-US" altLang="zh-CN" dirty="0"/>
           </a:p>
           <a:p>
             <a:pPr eaLnBrk="1" fontAlgn="auto" hangingPunct="1">
@@ -9318,7 +9199,7 @@
               <a:rPr lang="zh-CN" altLang="en-US" sz="3600" dirty="0"/>
               <a:t>项目文档</a:t>
             </a:r>
-            <a:endParaRPr lang="en-US" altLang="zh-CN" dirty="0" smtClean="0"/>
+            <a:endParaRPr lang="en-US" altLang="zh-CN" dirty="0"/>
           </a:p>
           <a:p>
             <a:pPr eaLnBrk="1" fontAlgn="auto" hangingPunct="1">
@@ -9331,7 +9212,7 @@
               <a:rPr lang="zh-CN" altLang="en-US" sz="3600" dirty="0"/>
               <a:t>项目汇报</a:t>
             </a:r>
-            <a:endParaRPr lang="en-US" altLang="zh-CN" dirty="0" smtClean="0"/>
+            <a:endParaRPr lang="en-US" altLang="zh-CN" dirty="0"/>
           </a:p>
           <a:p>
             <a:pPr eaLnBrk="1" fontAlgn="auto" hangingPunct="1">
@@ -9342,11 +9223,7 @@
             </a:pPr>
             <a:r>
               <a:rPr lang="zh-CN" altLang="en-US" sz="3600" dirty="0"/>
-              <a:t>项目</a:t>
-            </a:r>
-            <a:r>
-              <a:rPr lang="zh-CN" altLang="en-US" sz="3600" dirty="0" smtClean="0"/>
-              <a:t>评分</a:t>
+              <a:t>项目评分</a:t>
             </a:r>
           </a:p>
           <a:p>
@@ -9357,10 +9234,9 @@
               <a:defRPr/>
             </a:pPr>
             <a:r>
-              <a:rPr lang="zh-CN" altLang="en-US" sz="3600" dirty="0" smtClean="0"/>
+              <a:rPr lang="zh-CN" altLang="en-US" sz="3600" dirty="0"/>
               <a:t>卓越工程师班要求</a:t>
             </a:r>
-            <a:endParaRPr lang="zh-CN" altLang="en-US" sz="3600" dirty="0"/>
           </a:p>
         </p:txBody>
       </p:sp>
@@ -9547,7 +9423,7 @@
               <a:pPr/>
               <a:t>2</a:t>
             </a:fld>
-            <a:endParaRPr lang="en-US" altLang="zh-CN" smtClean="0">
+            <a:endParaRPr lang="en-US" altLang="zh-CN">
               <a:solidFill>
                 <a:srgbClr val="898989"/>
               </a:solidFill>
@@ -9562,13 +9438,6 @@
   <p:clrMapOvr>
     <a:masterClrMapping/>
   </p:clrMapOvr>
-  <p:timing>
-    <p:tnLst>
-      <p:par>
-        <p:cTn id="1" dur="indefinite" restart="never" nodeType="tmRoot"/>
-      </p:par>
-    </p:tnLst>
-  </p:timing>
 </p:sld>
 </file>
 
@@ -9614,7 +9483,7 @@
               <a:buNone/>
             </a:pPr>
             <a:r>
-              <a:rPr lang="zh-CN" altLang="en-US" sz="8000" smtClean="0">
+              <a:rPr lang="zh-CN" altLang="en-US" sz="8000">
                 <a:cs typeface="Arial" panose="020B0604020202020204" pitchFamily="34" charset="0"/>
               </a:rPr>
               <a:t>谢谢！</a:t>
@@ -9805,7 +9674,7 @@
               <a:pPr/>
               <a:t>20</a:t>
             </a:fld>
-            <a:endParaRPr lang="en-US" altLang="zh-CN" smtClean="0">
+            <a:endParaRPr lang="en-US" altLang="zh-CN">
               <a:solidFill>
                 <a:srgbClr val="898989"/>
               </a:solidFill>
@@ -9820,13 +9689,6 @@
   <p:clrMapOvr>
     <a:masterClrMapping/>
   </p:clrMapOvr>
-  <p:timing>
-    <p:tnLst>
-      <p:par>
-        <p:cTn id="1" dur="indefinite" restart="never" nodeType="tmRoot"/>
-      </p:par>
-    </p:tnLst>
-  </p:timing>
 </p:sld>
 </file>
 
@@ -9864,7 +9726,7 @@
           <a:p>
             <a:pPr eaLnBrk="1" hangingPunct="1"/>
             <a:r>
-              <a:rPr lang="zh-CN" altLang="en-US" smtClean="0"/>
+              <a:rPr lang="zh-CN" altLang="en-US"/>
               <a:t>项目选题</a:t>
             </a:r>
           </a:p>
@@ -9887,73 +9749,73 @@
           <a:p>
             <a:pPr eaLnBrk="1" hangingPunct="1"/>
             <a:r>
-              <a:rPr lang="zh-CN" altLang="en-US" sz="3600" smtClean="0">
+              <a:rPr lang="zh-CN" altLang="en-US" sz="3600">
                 <a:cs typeface="Arial" panose="020B0604020202020204" pitchFamily="34" charset="0"/>
               </a:rPr>
               <a:t>项目选题不限，</a:t>
             </a:r>
             <a:r>
-              <a:rPr lang="en-US" altLang="zh-CN" sz="3600" smtClean="0">
+              <a:rPr lang="en-US" altLang="zh-CN" sz="3600">
                 <a:cs typeface="Arial" panose="020B0604020202020204" pitchFamily="34" charset="0"/>
               </a:rPr>
               <a:t>IT</a:t>
             </a:r>
             <a:r>
-              <a:rPr lang="zh-CN" altLang="en-US" sz="3600" smtClean="0">
+              <a:rPr lang="zh-CN" altLang="en-US" sz="3600">
                 <a:cs typeface="Arial" panose="020B0604020202020204" pitchFamily="34" charset="0"/>
               </a:rPr>
               <a:t>项目即可</a:t>
             </a:r>
-            <a:endParaRPr lang="en-US" altLang="zh-CN" sz="3600" smtClean="0">
+            <a:endParaRPr lang="en-US" altLang="zh-CN" sz="3600">
               <a:cs typeface="Arial" panose="020B0604020202020204" pitchFamily="34" charset="0"/>
             </a:endParaRPr>
           </a:p>
           <a:p>
             <a:pPr lvl="1" eaLnBrk="1" hangingPunct="1"/>
-            <a:endParaRPr lang="en-US" altLang="zh-CN" smtClean="0">
+            <a:endParaRPr lang="en-US" altLang="zh-CN">
               <a:cs typeface="Arial" panose="020B0604020202020204" pitchFamily="34" charset="0"/>
             </a:endParaRPr>
           </a:p>
           <a:p>
             <a:pPr eaLnBrk="1" hangingPunct="1"/>
             <a:r>
-              <a:rPr lang="zh-CN" altLang="en-US" sz="3600" smtClean="0">
+              <a:rPr lang="zh-CN" altLang="en-US" sz="3600">
                 <a:cs typeface="Arial" panose="020B0604020202020204" pitchFamily="34" charset="0"/>
               </a:rPr>
               <a:t>项目规模请适中</a:t>
             </a:r>
-            <a:endParaRPr lang="en-US" altLang="zh-CN" sz="3600" smtClean="0">
+            <a:endParaRPr lang="en-US" altLang="zh-CN" sz="3600">
               <a:cs typeface="Arial" panose="020B0604020202020204" pitchFamily="34" charset="0"/>
             </a:endParaRPr>
           </a:p>
           <a:p>
             <a:pPr lvl="1" eaLnBrk="1" hangingPunct="1"/>
             <a:r>
-              <a:rPr lang="zh-CN" altLang="en-US" sz="3000" smtClean="0">
+              <a:rPr lang="zh-CN" altLang="en-US" sz="3000">
                 <a:cs typeface="Arial" panose="020B0604020202020204" pitchFamily="34" charset="0"/>
               </a:rPr>
               <a:t>重在项目过程的管理</a:t>
             </a:r>
-            <a:endParaRPr lang="en-US" altLang="zh-CN" sz="3000" smtClean="0">
+            <a:endParaRPr lang="en-US" altLang="zh-CN" sz="3000">
               <a:cs typeface="Arial" panose="020B0604020202020204" pitchFamily="34" charset="0"/>
             </a:endParaRPr>
           </a:p>
           <a:p>
             <a:pPr lvl="1" eaLnBrk="1" hangingPunct="1"/>
             <a:r>
-              <a:rPr lang="zh-CN" altLang="en-US" sz="3000" smtClean="0">
+              <a:rPr lang="zh-CN" altLang="en-US" sz="3000">
                 <a:cs typeface="Arial" panose="020B0604020202020204" pitchFamily="34" charset="0"/>
               </a:rPr>
               <a:t>不宜过大，确保本学期末能够完成</a:t>
             </a:r>
-            <a:endParaRPr lang="en-US" altLang="zh-CN" sz="3000" smtClean="0">
+            <a:endParaRPr lang="en-US" altLang="zh-CN" sz="3000">
               <a:cs typeface="Arial" panose="020B0604020202020204" pitchFamily="34" charset="0"/>
             </a:endParaRPr>
           </a:p>
           <a:p>
             <a:pPr lvl="1" eaLnBrk="1" hangingPunct="1"/>
             <a:r>
-              <a:rPr lang="zh-CN" altLang="en-US" sz="3000" smtClean="0">
+              <a:rPr lang="zh-CN" altLang="en-US" sz="3000">
                 <a:cs typeface="Arial" panose="020B0604020202020204" pitchFamily="34" charset="0"/>
               </a:rPr>
               <a:t>同样不宜过小，确保小组成员都有分工，有一定工作量</a:t>
@@ -10144,7 +10006,7 @@
               <a:pPr/>
               <a:t>3</a:t>
             </a:fld>
-            <a:endParaRPr lang="en-US" altLang="zh-CN" smtClean="0">
+            <a:endParaRPr lang="en-US" altLang="zh-CN">
               <a:solidFill>
                 <a:srgbClr val="898989"/>
               </a:solidFill>
@@ -10159,13 +10021,6 @@
   <p:clrMapOvr>
     <a:masterClrMapping/>
   </p:clrMapOvr>
-  <p:timing>
-    <p:tnLst>
-      <p:par>
-        <p:cTn id="1" dur="indefinite" restart="never" nodeType="tmRoot"/>
-      </p:par>
-    </p:tnLst>
-  </p:timing>
 </p:sld>
 </file>
 
@@ -10203,7 +10058,7 @@
           <a:p>
             <a:pPr eaLnBrk="1" hangingPunct="1"/>
             <a:r>
-              <a:rPr lang="zh-CN" altLang="en-US" smtClean="0"/>
+              <a:rPr lang="zh-CN" altLang="en-US"/>
               <a:t>项目分组</a:t>
             </a:r>
           </a:p>
@@ -10231,73 +10086,73 @@
           <a:p>
             <a:pPr eaLnBrk="1" hangingPunct="1"/>
             <a:r>
-              <a:rPr lang="zh-CN" altLang="en-US" sz="3600" smtClean="0">
+              <a:rPr lang="zh-CN" altLang="en-US" sz="3600">
                 <a:cs typeface="Arial" panose="020B0604020202020204" pitchFamily="34" charset="0"/>
               </a:rPr>
               <a:t>项目分组</a:t>
             </a:r>
-            <a:endParaRPr lang="en-US" altLang="zh-CN" sz="3600" smtClean="0">
+            <a:endParaRPr lang="en-US" altLang="zh-CN" sz="3600">
               <a:cs typeface="Arial" panose="020B0604020202020204" pitchFamily="34" charset="0"/>
             </a:endParaRPr>
           </a:p>
           <a:p>
             <a:pPr lvl="1" eaLnBrk="1" hangingPunct="1"/>
             <a:r>
-              <a:rPr lang="en-US" altLang="zh-CN" sz="3000" smtClean="0">
+              <a:rPr lang="en-US" altLang="zh-CN" sz="3000">
                 <a:cs typeface="Arial" panose="020B0604020202020204" pitchFamily="34" charset="0"/>
               </a:rPr>
               <a:t>6-7</a:t>
             </a:r>
             <a:r>
-              <a:rPr lang="zh-CN" altLang="en-US" sz="3000" smtClean="0">
+              <a:rPr lang="zh-CN" altLang="en-US" sz="3000">
                 <a:cs typeface="Arial" panose="020B0604020202020204" pitchFamily="34" charset="0"/>
               </a:rPr>
               <a:t>人一组，设组长（项目经理）一名</a:t>
             </a:r>
-            <a:endParaRPr lang="en-US" altLang="zh-CN" sz="3000" smtClean="0">
+            <a:endParaRPr lang="en-US" altLang="zh-CN" sz="3000">
               <a:cs typeface="Arial" panose="020B0604020202020204" pitchFamily="34" charset="0"/>
             </a:endParaRPr>
           </a:p>
           <a:p>
             <a:pPr lvl="1" eaLnBrk="1" hangingPunct="1"/>
             <a:r>
-              <a:rPr lang="zh-CN" altLang="en-US" sz="3000" smtClean="0">
+              <a:rPr lang="zh-CN" altLang="en-US" sz="3000">
                 <a:cs typeface="Arial" panose="020B0604020202020204" pitchFamily="34" charset="0"/>
               </a:rPr>
               <a:t>小组成员分工明确</a:t>
             </a:r>
-            <a:endParaRPr lang="en-US" altLang="zh-CN" sz="3000" smtClean="0">
+            <a:endParaRPr lang="en-US" altLang="zh-CN" sz="3000">
               <a:cs typeface="Arial" panose="020B0604020202020204" pitchFamily="34" charset="0"/>
             </a:endParaRPr>
           </a:p>
           <a:p>
             <a:pPr lvl="1" eaLnBrk="1" hangingPunct="1"/>
             <a:r>
-              <a:rPr lang="zh-CN" altLang="en-US" sz="3000" smtClean="0">
+              <a:rPr lang="zh-CN" altLang="en-US" sz="3000">
                 <a:cs typeface="Arial" panose="020B0604020202020204" pitchFamily="34" charset="0"/>
               </a:rPr>
               <a:t>每个</a:t>
             </a:r>
             <a:r>
-              <a:rPr lang="en-US" altLang="zh-CN" sz="3000" smtClean="0">
+              <a:rPr lang="en-US" altLang="zh-CN" sz="3000">
                 <a:cs typeface="Arial" panose="020B0604020202020204" pitchFamily="34" charset="0"/>
               </a:rPr>
               <a:t>TA</a:t>
             </a:r>
             <a:r>
-              <a:rPr lang="zh-CN" altLang="en-US" sz="3000" smtClean="0">
+              <a:rPr lang="zh-CN" altLang="en-US" sz="3000">
                 <a:cs typeface="Arial" panose="020B0604020202020204" pitchFamily="34" charset="0"/>
               </a:rPr>
               <a:t>不超过</a:t>
             </a:r>
             <a:r>
-              <a:rPr lang="en-US" altLang="zh-CN" sz="3000" smtClean="0">
+              <a:rPr lang="en-US" altLang="zh-CN" sz="3000">
                 <a:cs typeface="Arial" panose="020B0604020202020204" pitchFamily="34" charset="0"/>
               </a:rPr>
               <a:t>3</a:t>
             </a:r>
             <a:r>
-              <a:rPr lang="zh-CN" altLang="en-US" sz="3000" smtClean="0">
+              <a:rPr lang="zh-CN" altLang="en-US" sz="3000">
                 <a:cs typeface="Arial" panose="020B0604020202020204" pitchFamily="34" charset="0"/>
               </a:rPr>
               <a:t>组，请尽快结束分组和选题</a:t>
@@ -10488,7 +10343,7 @@
               <a:pPr/>
               <a:t>4</a:t>
             </a:fld>
-            <a:endParaRPr lang="en-US" altLang="zh-CN" smtClean="0">
+            <a:endParaRPr lang="en-US" altLang="zh-CN">
               <a:solidFill>
                 <a:srgbClr val="898989"/>
               </a:solidFill>
@@ -10553,7 +10408,7 @@
                         <a:tabLst/>
                       </a:pPr>
                       <a:r>
-                        <a:rPr kumimoji="0" lang="zh-CN" altLang="en-US" sz="2200" b="1" i="0" u="none" strike="noStrike" cap="none" normalizeH="0" baseline="0" dirty="0" smtClean="0">
+                        <a:rPr kumimoji="0" lang="zh-CN" altLang="en-US" sz="2200" b="1" i="0" u="none" strike="noStrike" cap="none" normalizeH="0" baseline="0" dirty="0">
                           <a:ln>
                             <a:noFill/>
                           </a:ln>
@@ -10638,7 +10493,7 @@
                         <a:tabLst/>
                       </a:pPr>
                       <a:r>
-                        <a:rPr kumimoji="0" lang="zh-CN" altLang="en-US" sz="2200" b="1" i="0" u="none" strike="noStrike" cap="none" normalizeH="0" baseline="0" dirty="0" smtClean="0">
+                        <a:rPr kumimoji="0" lang="zh-CN" altLang="en-US" sz="2200" b="1" i="0" u="none" strike="noStrike" cap="none" normalizeH="0" baseline="0" dirty="0">
                           <a:ln>
                             <a:noFill/>
                           </a:ln>
@@ -10730,7 +10585,7 @@
                         <a:tabLst/>
                       </a:pPr>
                       <a:r>
-                        <a:rPr kumimoji="0" lang="zh-CN" altLang="en-US" sz="2200" b="0" i="0" u="none" strike="noStrike" cap="none" normalizeH="0" baseline="0" dirty="0" smtClean="0">
+                        <a:rPr kumimoji="0" lang="zh-CN" altLang="en-US" sz="2200" b="0" i="0" u="none" strike="noStrike" cap="none" normalizeH="0" baseline="0" dirty="0">
                           <a:ln>
                             <a:noFill/>
                           </a:ln>
@@ -10815,10 +10670,10 @@
                         <a:tabLst/>
                       </a:pPr>
                       <a:r>
-                        <a:rPr lang="en-US" altLang="zh-CN" sz="2400" dirty="0" smtClean="0"/>
+                        <a:rPr lang="en-US" altLang="zh-CN" sz="2400" dirty="0"/>
                         <a:t>14212010025@fudan.edu.cn</a:t>
                       </a:r>
-                      <a:endParaRPr kumimoji="0" lang="en-US" altLang="zh-CN" sz="2200" b="0" i="0" u="none" strike="noStrike" cap="none" normalizeH="0" baseline="0" dirty="0" smtClean="0">
+                      <a:endParaRPr kumimoji="0" lang="en-US" altLang="zh-CN" sz="2200" b="0" i="0" u="none" strike="noStrike" cap="none" normalizeH="0" baseline="0" dirty="0">
                         <a:ln>
                           <a:noFill/>
                         </a:ln>
@@ -10910,7 +10765,7 @@
                         <a:defRPr/>
                       </a:pPr>
                       <a:r>
-                        <a:rPr kumimoji="0" lang="zh-CN" altLang="en-US" sz="2200" b="0" i="0" u="none" strike="noStrike" cap="none" normalizeH="0" baseline="0" dirty="0" smtClean="0">
+                        <a:rPr kumimoji="0" lang="zh-CN" altLang="en-US" sz="2200" b="0" i="0" u="none" strike="noStrike" cap="none" normalizeH="0" baseline="0" dirty="0">
                           <a:ln>
                             <a:noFill/>
                           </a:ln>
@@ -10995,10 +10850,10 @@
                         <a:tabLst/>
                       </a:pPr>
                       <a:r>
-                        <a:rPr lang="en-US" altLang="zh-CN" sz="2400" dirty="0" smtClean="0"/>
+                        <a:rPr lang="en-US" altLang="zh-CN" sz="2400" dirty="0"/>
                         <a:t>14212010018@fudan.edu.cn</a:t>
                       </a:r>
-                      <a:endParaRPr kumimoji="0" lang="en-US" altLang="zh-CN" sz="2200" b="0" i="0" u="none" strike="noStrike" cap="none" normalizeH="0" baseline="0" dirty="0" smtClean="0">
+                      <a:endParaRPr kumimoji="0" lang="en-US" altLang="zh-CN" sz="2200" b="0" i="0" u="none" strike="noStrike" cap="none" normalizeH="0" baseline="0" dirty="0">
                         <a:ln>
                           <a:noFill/>
                         </a:ln>
@@ -11089,7 +10944,7 @@
                         <a:tabLst/>
                       </a:pPr>
                       <a:r>
-                        <a:rPr kumimoji="0" lang="zh-CN" altLang="en-US" sz="2200" b="0" i="0" u="none" strike="noStrike" cap="none" normalizeH="0" baseline="0" dirty="0" smtClean="0">
+                        <a:rPr kumimoji="0" lang="zh-CN" altLang="en-US" sz="2200" b="0" i="0" u="none" strike="noStrike" cap="none" normalizeH="0" baseline="0" dirty="0">
                           <a:ln>
                             <a:noFill/>
                           </a:ln>
@@ -11174,10 +11029,10 @@
                         <a:tabLst/>
                       </a:pPr>
                       <a:r>
-                        <a:rPr lang="en-US" altLang="zh-CN" sz="2400" dirty="0" smtClean="0"/>
+                        <a:rPr lang="en-US" altLang="zh-CN" sz="2400" dirty="0"/>
                         <a:t>15212010008@fudan.edu.cn</a:t>
                       </a:r>
-                      <a:endParaRPr kumimoji="0" lang="en-US" altLang="zh-CN" sz="2200" b="0" i="0" u="none" strike="noStrike" cap="none" normalizeH="0" baseline="0" dirty="0" smtClean="0">
+                      <a:endParaRPr kumimoji="0" lang="en-US" altLang="zh-CN" sz="2200" b="0" i="0" u="none" strike="noStrike" cap="none" normalizeH="0" baseline="0" dirty="0">
                         <a:ln>
                           <a:noFill/>
                         </a:ln>
@@ -11254,13 +11109,6 @@
   <p:clrMapOvr>
     <a:masterClrMapping/>
   </p:clrMapOvr>
-  <p:timing>
-    <p:tnLst>
-      <p:par>
-        <p:cTn id="1" dur="indefinite" restart="never" nodeType="tmRoot"/>
-      </p:par>
-    </p:tnLst>
-  </p:timing>
 </p:sld>
 </file>
 
@@ -11302,10 +11150,10 @@
               </a:spcAft>
             </a:pPr>
             <a:r>
-              <a:rPr lang="zh-CN" altLang="en-US" smtClean="0"/>
+              <a:rPr lang="zh-CN" altLang="en-US"/>
               <a:t>项目文档</a:t>
             </a:r>
-            <a:endParaRPr lang="en-US" altLang="zh-CN" smtClean="0"/>
+            <a:endParaRPr lang="en-US" altLang="zh-CN"/>
           </a:p>
         </p:txBody>
       </p:sp>
@@ -11326,19 +11174,19 @@
           <a:p>
             <a:pPr eaLnBrk="1" hangingPunct="1"/>
             <a:r>
-              <a:rPr lang="zh-CN" altLang="en-US" sz="3600" smtClean="0">
+              <a:rPr lang="zh-CN" altLang="en-US" sz="3600">
                 <a:cs typeface="Arial" panose="020B0604020202020204" pitchFamily="34" charset="0"/>
               </a:rPr>
               <a:t>提交文档</a:t>
             </a:r>
-            <a:endParaRPr lang="en-US" altLang="zh-CN" sz="3600" smtClean="0">
+            <a:endParaRPr lang="en-US" altLang="zh-CN" sz="3600">
               <a:cs typeface="Arial" panose="020B0604020202020204" pitchFamily="34" charset="0"/>
             </a:endParaRPr>
           </a:p>
           <a:p>
             <a:pPr lvl="1" eaLnBrk="1" hangingPunct="1"/>
             <a:r>
-              <a:rPr lang="zh-CN" altLang="en-US" sz="3000" smtClean="0">
+              <a:rPr lang="zh-CN" altLang="en-US" sz="3000">
                 <a:cs typeface="Arial" panose="020B0604020202020204" pitchFamily="34" charset="0"/>
               </a:rPr>
               <a:t>会议纪要</a:t>
@@ -11347,7 +11195,7 @@
           <a:p>
             <a:pPr lvl="1" eaLnBrk="1" hangingPunct="1"/>
             <a:r>
-              <a:rPr lang="zh-CN" altLang="en-US" sz="3000" smtClean="0">
+              <a:rPr lang="zh-CN" altLang="en-US" sz="3000">
                 <a:cs typeface="Arial" panose="020B0604020202020204" pitchFamily="34" charset="0"/>
               </a:rPr>
               <a:t>项目建议书</a:t>
@@ -11356,7 +11204,7 @@
           <a:p>
             <a:pPr lvl="2" eaLnBrk="1" hangingPunct="1"/>
             <a:r>
-              <a:rPr lang="zh-CN" altLang="en-US" sz="2600" smtClean="0">
+              <a:rPr lang="zh-CN" altLang="en-US" sz="2600">
                 <a:cs typeface="Arial" panose="020B0604020202020204" pitchFamily="34" charset="0"/>
               </a:rPr>
               <a:t>要包含可行性分析，项目干系人分析，风险分析，收益分析</a:t>
@@ -11365,13 +11213,13 @@
           <a:p>
             <a:pPr lvl="1" eaLnBrk="1" hangingPunct="1"/>
             <a:r>
-              <a:rPr lang="zh-CN" altLang="en-US" sz="3000" smtClean="0">
+              <a:rPr lang="zh-CN" altLang="en-US" sz="3000">
                 <a:cs typeface="Arial" panose="020B0604020202020204" pitchFamily="34" charset="0"/>
               </a:rPr>
               <a:t>范围说明及工作分解结构</a:t>
             </a:r>
             <a:r>
-              <a:rPr lang="en-US" altLang="zh-CN" sz="3000" smtClean="0">
+              <a:rPr lang="en-US" altLang="zh-CN" sz="3000">
                 <a:cs typeface="Arial" panose="020B0604020202020204" pitchFamily="34" charset="0"/>
               </a:rPr>
               <a:t>WBS</a:t>
@@ -11380,7 +11228,7 @@
           <a:p>
             <a:pPr lvl="1" eaLnBrk="1" hangingPunct="1"/>
             <a:r>
-              <a:rPr lang="zh-CN" altLang="en-US" sz="3000" smtClean="0">
+              <a:rPr lang="zh-CN" altLang="en-US" sz="3000">
                 <a:cs typeface="Arial" panose="020B0604020202020204" pitchFamily="34" charset="0"/>
               </a:rPr>
               <a:t>技术方案计划</a:t>
@@ -11389,7 +11237,7 @@
           <a:p>
             <a:pPr lvl="1" eaLnBrk="1" hangingPunct="1"/>
             <a:r>
-              <a:rPr lang="zh-CN" altLang="en-US" sz="3000" smtClean="0">
+              <a:rPr lang="zh-CN" altLang="en-US" sz="3000">
                 <a:cs typeface="Arial" panose="020B0604020202020204" pitchFamily="34" charset="0"/>
               </a:rPr>
               <a:t>工作量和成本估算</a:t>
@@ -11580,7 +11428,7 @@
               <a:pPr/>
               <a:t>5</a:t>
             </a:fld>
-            <a:endParaRPr lang="en-US" altLang="zh-CN" smtClean="0">
+            <a:endParaRPr lang="en-US" altLang="zh-CN">
               <a:solidFill>
                 <a:srgbClr val="898989"/>
               </a:solidFill>
@@ -11595,13 +11443,6 @@
   <p:clrMapOvr>
     <a:masterClrMapping/>
   </p:clrMapOvr>
-  <p:timing>
-    <p:tnLst>
-      <p:par>
-        <p:cTn id="1" dur="indefinite" restart="never" nodeType="tmRoot"/>
-      </p:par>
-    </p:tnLst>
-  </p:timing>
 </p:sld>
 </file>
 
@@ -11643,10 +11484,10 @@
               </a:spcAft>
             </a:pPr>
             <a:r>
-              <a:rPr lang="zh-CN" altLang="en-US" smtClean="0"/>
+              <a:rPr lang="zh-CN" altLang="en-US"/>
               <a:t>项目文档（续）</a:t>
             </a:r>
-            <a:endParaRPr lang="en-US" altLang="zh-CN" smtClean="0"/>
+            <a:endParaRPr lang="en-US" altLang="zh-CN"/>
           </a:p>
         </p:txBody>
       </p:sp>
@@ -11667,19 +11508,19 @@
           <a:p>
             <a:pPr eaLnBrk="1" hangingPunct="1"/>
             <a:r>
-              <a:rPr lang="zh-CN" altLang="en-US" sz="3600" smtClean="0">
+              <a:rPr lang="zh-CN" altLang="en-US" sz="3600">
                 <a:cs typeface="Arial" panose="020B0604020202020204" pitchFamily="34" charset="0"/>
               </a:rPr>
               <a:t>提交文档（续）</a:t>
             </a:r>
-            <a:endParaRPr lang="en-US" altLang="zh-CN" sz="3600" smtClean="0">
+            <a:endParaRPr lang="en-US" altLang="zh-CN" sz="3600">
               <a:cs typeface="Arial" panose="020B0604020202020204" pitchFamily="34" charset="0"/>
             </a:endParaRPr>
           </a:p>
           <a:p>
             <a:pPr lvl="1" eaLnBrk="1" hangingPunct="1"/>
             <a:r>
-              <a:rPr lang="zh-CN" altLang="en-US" sz="3000" smtClean="0">
+              <a:rPr lang="zh-CN" altLang="en-US" sz="3000">
                 <a:cs typeface="Arial" panose="020B0604020202020204" pitchFamily="34" charset="0"/>
               </a:rPr>
               <a:t>进度计划（包含资源计划）</a:t>
@@ -11688,7 +11529,7 @@
           <a:p>
             <a:pPr lvl="1" eaLnBrk="1" hangingPunct="1"/>
             <a:r>
-              <a:rPr lang="zh-CN" altLang="en-US" sz="3000" smtClean="0">
+              <a:rPr lang="zh-CN" altLang="en-US" sz="3000">
                 <a:cs typeface="Arial" panose="020B0604020202020204" pitchFamily="34" charset="0"/>
               </a:rPr>
               <a:t>风险管理计划</a:t>
@@ -11697,7 +11538,7 @@
           <a:p>
             <a:pPr lvl="1" eaLnBrk="1" hangingPunct="1"/>
             <a:r>
-              <a:rPr lang="zh-CN" altLang="en-US" sz="3000" smtClean="0">
+              <a:rPr lang="zh-CN" altLang="en-US" sz="3000">
                 <a:cs typeface="Arial" panose="020B0604020202020204" pitchFamily="34" charset="0"/>
               </a:rPr>
               <a:t>质量计划、人力资源计划、沟通计划</a:t>
@@ -11706,7 +11547,7 @@
           <a:p>
             <a:pPr lvl="1" eaLnBrk="1" hangingPunct="1"/>
             <a:r>
-              <a:rPr lang="zh-CN" altLang="en-US" sz="3200" smtClean="0">
+              <a:rPr lang="zh-CN" altLang="en-US" sz="3200">
                 <a:cs typeface="Arial" panose="020B0604020202020204" pitchFamily="34" charset="0"/>
               </a:rPr>
               <a:t>开发文档</a:t>
@@ -11715,7 +11556,7 @@
           <a:p>
             <a:pPr lvl="1" eaLnBrk="1" hangingPunct="1"/>
             <a:r>
-              <a:rPr lang="zh-CN" altLang="en-US" sz="3000" smtClean="0">
+              <a:rPr lang="zh-CN" altLang="en-US" sz="3000">
                 <a:cs typeface="Arial" panose="020B0604020202020204" pitchFamily="34" charset="0"/>
               </a:rPr>
               <a:t>项目总结</a:t>
@@ -11906,7 +11747,7 @@
               <a:pPr/>
               <a:t>6</a:t>
             </a:fld>
-            <a:endParaRPr lang="en-US" altLang="zh-CN" smtClean="0">
+            <a:endParaRPr lang="en-US" altLang="zh-CN">
               <a:solidFill>
                 <a:srgbClr val="898989"/>
               </a:solidFill>
@@ -11921,13 +11762,6 @@
   <p:clrMapOvr>
     <a:masterClrMapping/>
   </p:clrMapOvr>
-  <p:timing>
-    <p:tnLst>
-      <p:par>
-        <p:cTn id="1" dur="indefinite" restart="never" nodeType="tmRoot"/>
-      </p:par>
-    </p:tnLst>
-  </p:timing>
 </p:sld>
 </file>
 
@@ -11965,7 +11799,7 @@
           <a:p>
             <a:pPr eaLnBrk="1" hangingPunct="1"/>
             <a:r>
-              <a:rPr lang="zh-CN" altLang="en-US" smtClean="0"/>
+              <a:rPr lang="zh-CN" altLang="en-US"/>
               <a:t>项目文档</a:t>
             </a:r>
           </a:p>
@@ -11988,91 +11822,91 @@
           <a:p>
             <a:pPr eaLnBrk="1" hangingPunct="1"/>
             <a:r>
-              <a:rPr lang="zh-CN" altLang="en-US" sz="3600" smtClean="0">
+              <a:rPr lang="zh-CN" altLang="en-US" sz="3600">
                 <a:cs typeface="Arial" panose="020B0604020202020204" pitchFamily="34" charset="0"/>
               </a:rPr>
               <a:t>会议纪要</a:t>
             </a:r>
-            <a:endParaRPr lang="en-US" altLang="zh-CN" sz="3600" smtClean="0">
+            <a:endParaRPr lang="en-US" altLang="zh-CN" sz="3600">
               <a:cs typeface="Arial" panose="020B0604020202020204" pitchFamily="34" charset="0"/>
             </a:endParaRPr>
           </a:p>
           <a:p>
             <a:pPr lvl="1" eaLnBrk="1" hangingPunct="1"/>
             <a:r>
-              <a:rPr lang="zh-CN" altLang="zh-CN" sz="3000" smtClean="0">
+              <a:rPr lang="zh-CN" altLang="zh-CN" sz="3000">
                 <a:cs typeface="Arial" panose="020B0604020202020204" pitchFamily="34" charset="0"/>
               </a:rPr>
               <a:t>［编号］</a:t>
             </a:r>
             <a:r>
-              <a:rPr lang="en-US" altLang="zh-CN" sz="3000" smtClean="0">
+              <a:rPr lang="en-US" altLang="zh-CN" sz="3000">
                 <a:cs typeface="Arial" panose="020B0604020202020204" pitchFamily="34" charset="0"/>
               </a:rPr>
               <a:t> </a:t>
             </a:r>
             <a:r>
-              <a:rPr lang="zh-CN" altLang="en-US" sz="3000" smtClean="0">
+              <a:rPr lang="zh-CN" altLang="en-US" sz="3000">
                 <a:cs typeface="Arial" panose="020B0604020202020204" pitchFamily="34" charset="0"/>
               </a:rPr>
               <a:t>（</a:t>
             </a:r>
             <a:r>
-              <a:rPr lang="en-US" altLang="zh-CN" sz="3000" smtClean="0">
+              <a:rPr lang="en-US" altLang="zh-CN" sz="3000">
                 <a:cs typeface="Arial" panose="020B0604020202020204" pitchFamily="34" charset="0"/>
               </a:rPr>
               <a:t>1</a:t>
             </a:r>
             <a:r>
-              <a:rPr lang="zh-CN" altLang="en-US" sz="3000" smtClean="0">
+              <a:rPr lang="zh-CN" altLang="en-US" sz="3000">
                 <a:cs typeface="Arial" panose="020B0604020202020204" pitchFamily="34" charset="0"/>
               </a:rPr>
               <a:t>，</a:t>
             </a:r>
             <a:r>
-              <a:rPr lang="en-US" altLang="zh-CN" sz="3000" smtClean="0">
+              <a:rPr lang="en-US" altLang="zh-CN" sz="3000">
                 <a:cs typeface="Arial" panose="020B0604020202020204" pitchFamily="34" charset="0"/>
               </a:rPr>
               <a:t>2</a:t>
             </a:r>
             <a:r>
-              <a:rPr lang="zh-CN" altLang="en-US" sz="3000" smtClean="0">
+              <a:rPr lang="zh-CN" altLang="en-US" sz="3000">
                 <a:cs typeface="Arial" panose="020B0604020202020204" pitchFamily="34" charset="0"/>
               </a:rPr>
               <a:t>，</a:t>
             </a:r>
             <a:r>
-              <a:rPr lang="en-US" altLang="zh-CN" sz="3000" smtClean="0">
+              <a:rPr lang="en-US" altLang="zh-CN" sz="3000">
                 <a:cs typeface="Arial" panose="020B0604020202020204" pitchFamily="34" charset="0"/>
               </a:rPr>
               <a:t>3</a:t>
             </a:r>
             <a:r>
-              <a:rPr lang="zh-CN" altLang="en-US" sz="3000" smtClean="0">
+              <a:rPr lang="zh-CN" altLang="en-US" sz="3000">
                 <a:cs typeface="Arial" panose="020B0604020202020204" pitchFamily="34" charset="0"/>
               </a:rPr>
               <a:t>，</a:t>
             </a:r>
             <a:r>
-              <a:rPr lang="en-US" altLang="zh-CN" sz="3000" smtClean="0">
+              <a:rPr lang="en-US" altLang="zh-CN" sz="3000">
                 <a:cs typeface="Arial" panose="020B0604020202020204" pitchFamily="34" charset="0"/>
               </a:rPr>
               <a:t>4…</a:t>
             </a:r>
             <a:r>
-              <a:rPr lang="zh-CN" altLang="en-US" sz="3000" smtClean="0">
+              <a:rPr lang="zh-CN" altLang="en-US" sz="3000">
                 <a:cs typeface="Arial" panose="020B0604020202020204" pitchFamily="34" charset="0"/>
               </a:rPr>
               <a:t>）</a:t>
             </a:r>
-            <a:endParaRPr lang="en-US" altLang="zh-CN" sz="3000" smtClean="0">
+            <a:endParaRPr lang="en-US" altLang="zh-CN" sz="3000">
               <a:cs typeface="Arial" panose="020B0604020202020204" pitchFamily="34" charset="0"/>
             </a:endParaRPr>
           </a:p>
           <a:p>
             <a:pPr lvl="1" eaLnBrk="1" hangingPunct="1"/>
             <a:r>
-              <a:rPr lang="zh-CN" altLang="zh-CN" sz="3000" smtClean="0">
+              <a:rPr lang="zh-CN" altLang="zh-CN" sz="3000">
                 <a:cs typeface="Arial" panose="020B0604020202020204" pitchFamily="34" charset="0"/>
               </a:rPr>
               <a:t>［时间］</a:t>
@@ -12081,19 +11915,19 @@
           <a:p>
             <a:pPr lvl="1" eaLnBrk="1" hangingPunct="1"/>
             <a:r>
-              <a:rPr lang="zh-CN" altLang="zh-CN" sz="3000" smtClean="0">
+              <a:rPr lang="zh-CN" altLang="zh-CN" sz="3000">
                 <a:cs typeface="Arial" panose="020B0604020202020204" pitchFamily="34" charset="0"/>
               </a:rPr>
               <a:t>［地点］</a:t>
             </a:r>
-            <a:endParaRPr lang="en-US" altLang="zh-CN" sz="3000" smtClean="0">
+            <a:endParaRPr lang="en-US" altLang="zh-CN" sz="3000">
               <a:cs typeface="Arial" panose="020B0604020202020204" pitchFamily="34" charset="0"/>
             </a:endParaRPr>
           </a:p>
           <a:p>
             <a:pPr lvl="1" eaLnBrk="1" hangingPunct="1"/>
             <a:r>
-              <a:rPr lang="zh-CN" altLang="zh-CN" sz="3000" smtClean="0">
+              <a:rPr lang="zh-CN" altLang="zh-CN" sz="3000">
                 <a:cs typeface="Arial" panose="020B0604020202020204" pitchFamily="34" charset="0"/>
               </a:rPr>
               <a:t>［到会人员］</a:t>
@@ -12102,7 +11936,7 @@
           <a:p>
             <a:pPr lvl="1" eaLnBrk="1" hangingPunct="1"/>
             <a:r>
-              <a:rPr lang="zh-CN" altLang="zh-CN" sz="3000" smtClean="0">
+              <a:rPr lang="zh-CN" altLang="zh-CN" sz="3000">
                 <a:cs typeface="Arial" panose="020B0604020202020204" pitchFamily="34" charset="0"/>
               </a:rPr>
               <a:t>［会后任务］</a:t>
@@ -12111,7 +11945,7 @@
           <a:p>
             <a:pPr lvl="1" eaLnBrk="1" hangingPunct="1"/>
             <a:r>
-              <a:rPr lang="zh-CN" altLang="zh-CN" sz="3000" smtClean="0">
+              <a:rPr lang="zh-CN" altLang="zh-CN" sz="3000">
                 <a:cs typeface="Arial" panose="020B0604020202020204" pitchFamily="34" charset="0"/>
               </a:rPr>
               <a:t>［会议主要内容］</a:t>
@@ -12119,7 +11953,7 @@
           </a:p>
           <a:p>
             <a:pPr lvl="1" eaLnBrk="1" hangingPunct="1"/>
-            <a:endParaRPr lang="zh-CN" altLang="en-US" smtClean="0">
+            <a:endParaRPr lang="zh-CN" altLang="en-US">
               <a:cs typeface="Arial" panose="020B0604020202020204" pitchFamily="34" charset="0"/>
             </a:endParaRPr>
           </a:p>
@@ -12308,7 +12142,7 @@
               <a:pPr/>
               <a:t>7</a:t>
             </a:fld>
-            <a:endParaRPr lang="en-US" altLang="zh-CN" smtClean="0">
+            <a:endParaRPr lang="en-US" altLang="zh-CN">
               <a:solidFill>
                 <a:srgbClr val="898989"/>
               </a:solidFill>
@@ -12323,13 +12157,6 @@
   <p:clrMapOvr>
     <a:masterClrMapping/>
   </p:clrMapOvr>
-  <p:timing>
-    <p:tnLst>
-      <p:par>
-        <p:cTn id="1" dur="indefinite" restart="never" nodeType="tmRoot"/>
-      </p:par>
-    </p:tnLst>
-  </p:timing>
 </p:sld>
 </file>
 
@@ -12367,7 +12194,7 @@
           <a:p>
             <a:pPr eaLnBrk="1" hangingPunct="1"/>
             <a:r>
-              <a:rPr lang="zh-CN" altLang="en-US" smtClean="0"/>
+              <a:rPr lang="zh-CN" altLang="en-US"/>
               <a:t>项目文档</a:t>
             </a:r>
           </a:p>
@@ -12390,7 +12217,7 @@
           <a:p>
             <a:pPr eaLnBrk="1" hangingPunct="1"/>
             <a:r>
-              <a:rPr lang="zh-CN" altLang="en-US" sz="3600" smtClean="0">
+              <a:rPr lang="zh-CN" altLang="en-US" sz="3600">
                 <a:cs typeface="Arial" panose="020B0604020202020204" pitchFamily="34" charset="0"/>
               </a:rPr>
               <a:t>项目建议书</a:t>
@@ -12581,7 +12408,7 @@
               <a:pPr/>
               <a:t>8</a:t>
             </a:fld>
-            <a:endParaRPr lang="en-US" altLang="zh-CN" smtClean="0">
+            <a:endParaRPr lang="en-US" altLang="zh-CN">
               <a:solidFill>
                 <a:srgbClr val="898989"/>
               </a:solidFill>
@@ -12704,13 +12531,6 @@
   <p:clrMapOvr>
     <a:masterClrMapping/>
   </p:clrMapOvr>
-  <p:timing>
-    <p:tnLst>
-      <p:par>
-        <p:cTn id="1" dur="indefinite" restart="never" nodeType="tmRoot"/>
-      </p:par>
-    </p:tnLst>
-  </p:timing>
 </p:sld>
 </file>
 
@@ -12748,7 +12568,7 @@
           <a:p>
             <a:pPr eaLnBrk="1" hangingPunct="1"/>
             <a:r>
-              <a:rPr lang="zh-CN" altLang="en-US" smtClean="0"/>
+              <a:rPr lang="zh-CN" altLang="en-US"/>
               <a:t>项目文档</a:t>
             </a:r>
           </a:p>
@@ -12980,7 +12800,7 @@
               <a:pPr/>
               <a:t>9</a:t>
             </a:fld>
-            <a:endParaRPr lang="en-US" altLang="zh-CN" smtClean="0">
+            <a:endParaRPr lang="en-US" altLang="zh-CN">
               <a:solidFill>
                 <a:srgbClr val="898989"/>
               </a:solidFill>
@@ -13049,13 +12869,6 @@
   <p:clrMapOvr>
     <a:masterClrMapping/>
   </p:clrMapOvr>
-  <p:timing>
-    <p:tnLst>
-      <p:par>
-        <p:cTn id="1" dur="indefinite" restart="never" nodeType="tmRoot"/>
-      </p:par>
-    </p:tnLst>
-  </p:timing>
 </p:sld>
 </file>
 
